--- a/TKinter.pptx
+++ b/TKinter.pptx
@@ -7,24 +7,33 @@
   <p:sldIdLst>
     <p:sldId id="256" r:id="rId2"/>
     <p:sldId id="261" r:id="rId3"/>
-    <p:sldId id="269" r:id="rId4"/>
+    <p:sldId id="282" r:id="rId4"/>
     <p:sldId id="257" r:id="rId5"/>
-    <p:sldId id="258" r:id="rId6"/>
-    <p:sldId id="260" r:id="rId7"/>
-    <p:sldId id="264" r:id="rId8"/>
-    <p:sldId id="267" r:id="rId9"/>
-    <p:sldId id="266" r:id="rId10"/>
-    <p:sldId id="265" r:id="rId11"/>
-    <p:sldId id="259" r:id="rId12"/>
-    <p:sldId id="270" r:id="rId13"/>
-    <p:sldId id="268" r:id="rId14"/>
-    <p:sldId id="263" r:id="rId15"/>
-    <p:sldId id="273" r:id="rId16"/>
-    <p:sldId id="274" r:id="rId17"/>
-    <p:sldId id="275" r:id="rId18"/>
-    <p:sldId id="276" r:id="rId19"/>
-    <p:sldId id="272" r:id="rId20"/>
-    <p:sldId id="271" r:id="rId21"/>
+    <p:sldId id="269" r:id="rId6"/>
+    <p:sldId id="279" r:id="rId7"/>
+    <p:sldId id="258" r:id="rId8"/>
+    <p:sldId id="260" r:id="rId9"/>
+    <p:sldId id="283" r:id="rId10"/>
+    <p:sldId id="259" r:id="rId11"/>
+    <p:sldId id="270" r:id="rId12"/>
+    <p:sldId id="264" r:id="rId13"/>
+    <p:sldId id="267" r:id="rId14"/>
+    <p:sldId id="266" r:id="rId15"/>
+    <p:sldId id="265" r:id="rId16"/>
+    <p:sldId id="268" r:id="rId17"/>
+    <p:sldId id="263" r:id="rId18"/>
+    <p:sldId id="277" r:id="rId19"/>
+    <p:sldId id="273" r:id="rId20"/>
+    <p:sldId id="274" r:id="rId21"/>
+    <p:sldId id="275" r:id="rId22"/>
+    <p:sldId id="278" r:id="rId23"/>
+    <p:sldId id="276" r:id="rId24"/>
+    <p:sldId id="280" r:id="rId25"/>
+    <p:sldId id="281" r:id="rId26"/>
+    <p:sldId id="285" r:id="rId27"/>
+    <p:sldId id="284" r:id="rId28"/>
+    <p:sldId id="272" r:id="rId29"/>
+    <p:sldId id="271" r:id="rId30"/>
   </p:sldIdLst>
   <p:sldSz cx="12192000" cy="6858000"/>
   <p:notesSz cx="6858000" cy="9144000"/>
@@ -12455,10 +12464,9 @@
           <a:lstStyle/>
           <a:p>
             <a:r>
-              <a:rPr lang="en-US" dirty="0" err="1"/>
+              <a:rPr lang="en-US" dirty="0"/>
               <a:t>Tkinter</a:t>
             </a:r>
-            <a:endParaRPr lang="en-US" dirty="0"/>
           </a:p>
         </p:txBody>
       </p:sp>
@@ -12504,6 +12512,835 @@
 </file>
 
 <file path=ppt/slides/slide10.xml><?xml version="1.0" encoding="utf-8"?>
+<p:sld xmlns:a="http://schemas.openxmlformats.org/drawingml/2006/main" xmlns:r="http://schemas.openxmlformats.org/officeDocument/2006/relationships" xmlns:p="http://schemas.openxmlformats.org/presentationml/2006/main">
+  <p:cSld>
+    <p:spTree>
+      <p:nvGrpSpPr>
+        <p:cNvPr id="1" name=""/>
+        <p:cNvGrpSpPr/>
+        <p:nvPr/>
+      </p:nvGrpSpPr>
+      <p:grpSpPr>
+        <a:xfrm>
+          <a:off x="0" y="0"/>
+          <a:ext cx="0" cy="0"/>
+          <a:chOff x="0" y="0"/>
+          <a:chExt cx="0" cy="0"/>
+        </a:xfrm>
+      </p:grpSpPr>
+      <p:sp>
+        <p:nvSpPr>
+          <p:cNvPr id="2" name="Title 1">
+            <a:extLst>
+              <a:ext uri="{FF2B5EF4-FFF2-40B4-BE49-F238E27FC236}">
+                <a16:creationId xmlns:a16="http://schemas.microsoft.com/office/drawing/2014/main" id="{17FC6CAB-93A9-44E9-B1C2-4C81D4CAA570}"/>
+              </a:ext>
+            </a:extLst>
+          </p:cNvPr>
+          <p:cNvSpPr>
+            <a:spLocks noGrp="1"/>
+          </p:cNvSpPr>
+          <p:nvPr>
+            <p:ph type="title"/>
+          </p:nvPr>
+        </p:nvSpPr>
+        <p:spPr/>
+        <p:txBody>
+          <a:bodyPr/>
+          <a:lstStyle/>
+          <a:p>
+            <a:pPr algn="ctr"/>
+            <a:r>
+              <a:rPr lang="en-US" dirty="0"/>
+              <a:t>Tkinter Layout Managers</a:t>
+            </a:r>
+            <a:br>
+              <a:rPr lang="en-US" dirty="0"/>
+            </a:br>
+            <a:r>
+              <a:rPr lang="en-US" b="0" i="0" dirty="0">
+                <a:effectLst/>
+                <a:latin typeface="Arial" panose="020B0604020202020204" pitchFamily="34" charset="0"/>
+              </a:rPr>
+              <a:t>Geometry Management</a:t>
+            </a:r>
+            <a:br>
+              <a:rPr lang="en-US" b="0" i="0" dirty="0">
+                <a:effectLst/>
+                <a:latin typeface="Arial" panose="020B0604020202020204" pitchFamily="34" charset="0"/>
+              </a:rPr>
+            </a:br>
+            <a:endParaRPr lang="en-US" dirty="0"/>
+          </a:p>
+        </p:txBody>
+      </p:sp>
+      <p:sp>
+        <p:nvSpPr>
+          <p:cNvPr id="3" name="Content Placeholder 2">
+            <a:extLst>
+              <a:ext uri="{FF2B5EF4-FFF2-40B4-BE49-F238E27FC236}">
+                <a16:creationId xmlns:a16="http://schemas.microsoft.com/office/drawing/2014/main" id="{BE366B98-A254-4979-8652-39D649157233}"/>
+              </a:ext>
+            </a:extLst>
+          </p:cNvPr>
+          <p:cNvSpPr>
+            <a:spLocks noGrp="1"/>
+          </p:cNvSpPr>
+          <p:nvPr>
+            <p:ph idx="1"/>
+          </p:nvPr>
+        </p:nvSpPr>
+        <p:spPr/>
+        <p:txBody>
+          <a:bodyPr>
+            <a:normAutofit fontScale="77500" lnSpcReduction="20000"/>
+          </a:bodyPr>
+          <a:lstStyle/>
+          <a:p>
+            <a:r>
+              <a:rPr lang="en-US" dirty="0"/>
+              <a:t>Pack (like Java Swing </a:t>
+            </a:r>
+            <a:r>
+              <a:rPr lang="en-US" dirty="0" err="1"/>
+              <a:t>FlowLayout</a:t>
+            </a:r>
+            <a:r>
+              <a:rPr lang="en-US" dirty="0"/>
+              <a:t>)</a:t>
+            </a:r>
+          </a:p>
+          <a:p>
+            <a:pPr lvl="1"/>
+            <a:r>
+              <a:rPr lang="en-US" b="0" i="0" dirty="0">
+                <a:solidFill>
+                  <a:srgbClr val="000000"/>
+                </a:solidFill>
+                <a:effectLst/>
+                <a:latin typeface="Georgia" panose="02040502050405020303" pitchFamily="18" charset="0"/>
+              </a:rPr>
+              <a:t>Put a widget inside a frame (or any other container widget), and have it fill the entire frame</a:t>
+            </a:r>
+          </a:p>
+          <a:p>
+            <a:pPr lvl="1"/>
+            <a:r>
+              <a:rPr lang="en-US" b="0" i="0" dirty="0">
+                <a:solidFill>
+                  <a:srgbClr val="000000"/>
+                </a:solidFill>
+                <a:effectLst/>
+                <a:latin typeface="Georgia" panose="02040502050405020303" pitchFamily="18" charset="0"/>
+              </a:rPr>
+              <a:t>Place a number of widgets </a:t>
+            </a:r>
+            <a:r>
+              <a:rPr lang="en-US" b="1" i="0" dirty="0">
+                <a:solidFill>
+                  <a:srgbClr val="000000"/>
+                </a:solidFill>
+                <a:effectLst/>
+                <a:latin typeface="Georgia" panose="02040502050405020303" pitchFamily="18" charset="0"/>
+              </a:rPr>
+              <a:t>on top of each other</a:t>
+            </a:r>
+            <a:endParaRPr lang="en-US" dirty="0">
+              <a:solidFill>
+                <a:srgbClr val="000000"/>
+              </a:solidFill>
+              <a:latin typeface="Georgia" panose="02040502050405020303" pitchFamily="18" charset="0"/>
+            </a:endParaRPr>
+          </a:p>
+          <a:p>
+            <a:pPr lvl="1"/>
+            <a:r>
+              <a:rPr lang="en-US" b="0" i="0" dirty="0">
+                <a:solidFill>
+                  <a:srgbClr val="000000"/>
+                </a:solidFill>
+                <a:effectLst/>
+                <a:latin typeface="Georgia" panose="02040502050405020303" pitchFamily="18" charset="0"/>
+              </a:rPr>
+              <a:t>Place a number of widgets </a:t>
+            </a:r>
+            <a:r>
+              <a:rPr lang="en-US" b="1" i="0" dirty="0">
+                <a:solidFill>
+                  <a:srgbClr val="000000"/>
+                </a:solidFill>
+                <a:effectLst/>
+                <a:latin typeface="Georgia" panose="02040502050405020303" pitchFamily="18" charset="0"/>
+              </a:rPr>
+              <a:t>side by side</a:t>
+            </a:r>
+            <a:endParaRPr lang="en-US" dirty="0"/>
+          </a:p>
+          <a:p>
+            <a:r>
+              <a:rPr lang="en-US" dirty="0"/>
+              <a:t>Grid (like Java Swing </a:t>
+            </a:r>
+            <a:r>
+              <a:rPr lang="en-US" dirty="0" err="1"/>
+              <a:t>GridLayout</a:t>
+            </a:r>
+            <a:r>
+              <a:rPr lang="en-US" dirty="0"/>
+              <a:t>)</a:t>
+            </a:r>
+          </a:p>
+          <a:p>
+            <a:pPr lvl="1"/>
+            <a:r>
+              <a:rPr lang="en-US" dirty="0"/>
+              <a:t>Screen set up in a row/column grid</a:t>
+            </a:r>
+          </a:p>
+          <a:p>
+            <a:pPr lvl="1"/>
+            <a:r>
+              <a:rPr lang="en-US" dirty="0"/>
+              <a:t>More Flexible</a:t>
+            </a:r>
+          </a:p>
+          <a:p>
+            <a:r>
+              <a:rPr lang="en-US" dirty="0"/>
+              <a:t>Place – Absolute</a:t>
+            </a:r>
+          </a:p>
+          <a:p>
+            <a:pPr lvl="1"/>
+            <a:r>
+              <a:rPr lang="fr-FR" dirty="0"/>
+              <a:t>place(x=20, y=20)</a:t>
+            </a:r>
+            <a:endParaRPr lang="en-US" dirty="0"/>
+          </a:p>
+          <a:p>
+            <a:pPr lvl="1"/>
+            <a:r>
+              <a:rPr lang="en-US" dirty="0"/>
+              <a:t>Most flexible</a:t>
+            </a:r>
+          </a:p>
+          <a:p>
+            <a:r>
+              <a:rPr lang="en-US" dirty="0"/>
+              <a:t>You cannot mix layout managers</a:t>
+            </a:r>
+          </a:p>
+          <a:p>
+            <a:pPr lvl="1"/>
+            <a:r>
+              <a:rPr lang="en-US" dirty="0"/>
+              <a:t>Exception – widgets inside a Frame or </a:t>
+            </a:r>
+            <a:r>
+              <a:rPr lang="en-US" dirty="0" err="1"/>
+              <a:t>LableFrame</a:t>
+            </a:r>
+            <a:endParaRPr lang="en-US" dirty="0"/>
+          </a:p>
+          <a:p>
+            <a:endParaRPr lang="en-US" dirty="0"/>
+          </a:p>
+        </p:txBody>
+      </p:sp>
+    </p:spTree>
+    <p:extLst>
+      <p:ext uri="{BB962C8B-B14F-4D97-AF65-F5344CB8AC3E}">
+        <p14:creationId xmlns:p14="http://schemas.microsoft.com/office/powerpoint/2010/main" val="4068094357"/>
+      </p:ext>
+    </p:extLst>
+  </p:cSld>
+  <p:clrMapOvr>
+    <a:masterClrMapping/>
+  </p:clrMapOvr>
+</p:sld>
+</file>
+
+<file path=ppt/slides/slide11.xml><?xml version="1.0" encoding="utf-8"?>
+<p:sld xmlns:a="http://schemas.openxmlformats.org/drawingml/2006/main" xmlns:r="http://schemas.openxmlformats.org/officeDocument/2006/relationships" xmlns:p="http://schemas.openxmlformats.org/presentationml/2006/main">
+  <p:cSld>
+    <p:spTree>
+      <p:nvGrpSpPr>
+        <p:cNvPr id="1" name=""/>
+        <p:cNvGrpSpPr/>
+        <p:nvPr/>
+      </p:nvGrpSpPr>
+      <p:grpSpPr>
+        <a:xfrm>
+          <a:off x="0" y="0"/>
+          <a:ext cx="0" cy="0"/>
+          <a:chOff x="0" y="0"/>
+          <a:chExt cx="0" cy="0"/>
+        </a:xfrm>
+      </p:grpSpPr>
+      <p:sp>
+        <p:nvSpPr>
+          <p:cNvPr id="2" name="Title 1">
+            <a:extLst>
+              <a:ext uri="{FF2B5EF4-FFF2-40B4-BE49-F238E27FC236}">
+                <a16:creationId xmlns:a16="http://schemas.microsoft.com/office/drawing/2014/main" id="{30ED73CC-860D-46DD-8571-0E877376D402}"/>
+              </a:ext>
+            </a:extLst>
+          </p:cNvPr>
+          <p:cNvSpPr>
+            <a:spLocks noGrp="1"/>
+          </p:cNvSpPr>
+          <p:nvPr>
+            <p:ph type="title"/>
+          </p:nvPr>
+        </p:nvSpPr>
+        <p:spPr/>
+        <p:txBody>
+          <a:bodyPr/>
+          <a:lstStyle/>
+          <a:p>
+            <a:pPr algn="ctr"/>
+            <a:r>
+              <a:rPr lang="en-US" dirty="0"/>
+              <a:t>Placing widgets on the Screen</a:t>
+            </a:r>
+          </a:p>
+        </p:txBody>
+      </p:sp>
+      <p:sp>
+        <p:nvSpPr>
+          <p:cNvPr id="3" name="Content Placeholder 2">
+            <a:extLst>
+              <a:ext uri="{FF2B5EF4-FFF2-40B4-BE49-F238E27FC236}">
+                <a16:creationId xmlns:a16="http://schemas.microsoft.com/office/drawing/2014/main" id="{4DA56F50-0925-4501-85E5-94BB316394E8}"/>
+              </a:ext>
+            </a:extLst>
+          </p:cNvPr>
+          <p:cNvSpPr>
+            <a:spLocks noGrp="1"/>
+          </p:cNvSpPr>
+          <p:nvPr>
+            <p:ph idx="1"/>
+          </p:nvPr>
+        </p:nvSpPr>
+        <p:spPr/>
+        <p:txBody>
+          <a:bodyPr/>
+          <a:lstStyle/>
+          <a:p>
+            <a:r>
+              <a:rPr lang="en-US" dirty="0"/>
+              <a:t>Define the widgets and its attributes first</a:t>
+            </a:r>
+          </a:p>
+          <a:p>
+            <a:pPr lvl="1"/>
+            <a:r>
+              <a:rPr lang="en-US" dirty="0"/>
+              <a:t>Defines it in memory</a:t>
+            </a:r>
+          </a:p>
+          <a:p>
+            <a:pPr lvl="1"/>
+            <a:endParaRPr lang="en-US" dirty="0"/>
+          </a:p>
+          <a:p>
+            <a:r>
+              <a:rPr lang="en-US" dirty="0"/>
+              <a:t>Attach it to a layout manager</a:t>
+            </a:r>
+          </a:p>
+          <a:p>
+            <a:pPr lvl="1"/>
+            <a:r>
+              <a:rPr lang="en-US" dirty="0"/>
+              <a:t>Places it on the screen</a:t>
+            </a:r>
+          </a:p>
+        </p:txBody>
+      </p:sp>
+      <p:pic>
+        <p:nvPicPr>
+          <p:cNvPr id="5" name="Picture 4">
+            <a:extLst>
+              <a:ext uri="{FF2B5EF4-FFF2-40B4-BE49-F238E27FC236}">
+                <a16:creationId xmlns:a16="http://schemas.microsoft.com/office/drawing/2014/main" id="{2551B9A7-A611-4156-BD1B-5E59025AD812}"/>
+              </a:ext>
+            </a:extLst>
+          </p:cNvPr>
+          <p:cNvPicPr>
+            <a:picLocks noChangeAspect="1"/>
+          </p:cNvPicPr>
+          <p:nvPr/>
+        </p:nvPicPr>
+        <p:blipFill>
+          <a:blip r:embed="rId2"/>
+          <a:stretch>
+            <a:fillRect/>
+          </a:stretch>
+        </p:blipFill>
+        <p:spPr>
+          <a:xfrm>
+            <a:off x="6538816" y="3060700"/>
+            <a:ext cx="4152900" cy="1123950"/>
+          </a:xfrm>
+          <a:prstGeom prst="rect">
+            <a:avLst/>
+          </a:prstGeom>
+        </p:spPr>
+      </p:pic>
+    </p:spTree>
+    <p:extLst>
+      <p:ext uri="{BB962C8B-B14F-4D97-AF65-F5344CB8AC3E}">
+        <p14:creationId xmlns:p14="http://schemas.microsoft.com/office/powerpoint/2010/main" val="2140386150"/>
+      </p:ext>
+    </p:extLst>
+  </p:cSld>
+  <p:clrMapOvr>
+    <a:masterClrMapping/>
+  </p:clrMapOvr>
+</p:sld>
+</file>
+
+<file path=ppt/slides/slide12.xml><?xml version="1.0" encoding="utf-8"?>
+<p:sld xmlns:a="http://schemas.openxmlformats.org/drawingml/2006/main" xmlns:r="http://schemas.openxmlformats.org/officeDocument/2006/relationships" xmlns:p="http://schemas.openxmlformats.org/presentationml/2006/main">
+  <p:cSld>
+    <p:spTree>
+      <p:nvGrpSpPr>
+        <p:cNvPr id="1" name=""/>
+        <p:cNvGrpSpPr/>
+        <p:nvPr/>
+      </p:nvGrpSpPr>
+      <p:grpSpPr>
+        <a:xfrm>
+          <a:off x="0" y="0"/>
+          <a:ext cx="0" cy="0"/>
+          <a:chOff x="0" y="0"/>
+          <a:chExt cx="0" cy="0"/>
+        </a:xfrm>
+      </p:grpSpPr>
+      <p:sp>
+        <p:nvSpPr>
+          <p:cNvPr id="2" name="Title 1">
+            <a:extLst>
+              <a:ext uri="{FF2B5EF4-FFF2-40B4-BE49-F238E27FC236}">
+                <a16:creationId xmlns:a16="http://schemas.microsoft.com/office/drawing/2014/main" id="{4F8EB9C9-D125-4A6D-A3E5-64AAAEC3FBAD}"/>
+              </a:ext>
+            </a:extLst>
+          </p:cNvPr>
+          <p:cNvSpPr>
+            <a:spLocks noGrp="1"/>
+          </p:cNvSpPr>
+          <p:nvPr>
+            <p:ph type="title"/>
+          </p:nvPr>
+        </p:nvSpPr>
+        <p:spPr/>
+        <p:txBody>
+          <a:bodyPr/>
+          <a:lstStyle/>
+          <a:p>
+            <a:pPr algn="ctr"/>
+            <a:r>
+              <a:rPr lang="en-US" dirty="0"/>
+              <a:t>Hello  World</a:t>
+            </a:r>
+            <a:br>
+              <a:rPr lang="en-US" dirty="0"/>
+            </a:br>
+            <a:r>
+              <a:rPr lang="en-US" sz="2000" i="1" dirty="0"/>
+              <a:t>pack()</a:t>
+            </a:r>
+          </a:p>
+        </p:txBody>
+      </p:sp>
+      <p:pic>
+        <p:nvPicPr>
+          <p:cNvPr id="4" name="Picture 3">
+            <a:extLst>
+              <a:ext uri="{FF2B5EF4-FFF2-40B4-BE49-F238E27FC236}">
+                <a16:creationId xmlns:a16="http://schemas.microsoft.com/office/drawing/2014/main" id="{F53C4C6E-BC12-4AAE-AEB5-CB36D6CD7BAA}"/>
+              </a:ext>
+            </a:extLst>
+          </p:cNvPr>
+          <p:cNvPicPr>
+            <a:picLocks noChangeAspect="1"/>
+          </p:cNvPicPr>
+          <p:nvPr/>
+        </p:nvPicPr>
+        <p:blipFill>
+          <a:blip r:embed="rId2"/>
+          <a:stretch>
+            <a:fillRect/>
+          </a:stretch>
+        </p:blipFill>
+        <p:spPr>
+          <a:xfrm>
+            <a:off x="668157" y="3055182"/>
+            <a:ext cx="3371850" cy="2562225"/>
+          </a:xfrm>
+          <a:prstGeom prst="rect">
+            <a:avLst/>
+          </a:prstGeom>
+        </p:spPr>
+      </p:pic>
+      <p:pic>
+        <p:nvPicPr>
+          <p:cNvPr id="8" name="Picture 7">
+            <a:extLst>
+              <a:ext uri="{FF2B5EF4-FFF2-40B4-BE49-F238E27FC236}">
+                <a16:creationId xmlns:a16="http://schemas.microsoft.com/office/drawing/2014/main" id="{5F7C4FE3-919A-402B-A6AE-2B414566B7F4}"/>
+              </a:ext>
+            </a:extLst>
+          </p:cNvPr>
+          <p:cNvPicPr>
+            <a:picLocks noChangeAspect="1"/>
+          </p:cNvPicPr>
+          <p:nvPr/>
+        </p:nvPicPr>
+        <p:blipFill>
+          <a:blip r:embed="rId3"/>
+          <a:stretch>
+            <a:fillRect/>
+          </a:stretch>
+        </p:blipFill>
+        <p:spPr>
+          <a:xfrm>
+            <a:off x="4147646" y="3036132"/>
+            <a:ext cx="4010025" cy="2581275"/>
+          </a:xfrm>
+          <a:prstGeom prst="rect">
+            <a:avLst/>
+          </a:prstGeom>
+        </p:spPr>
+      </p:pic>
+      <p:pic>
+        <p:nvPicPr>
+          <p:cNvPr id="10" name="Picture 9">
+            <a:extLst>
+              <a:ext uri="{FF2B5EF4-FFF2-40B4-BE49-F238E27FC236}">
+                <a16:creationId xmlns:a16="http://schemas.microsoft.com/office/drawing/2014/main" id="{1EFC88DA-1885-4A7F-B5D6-C2CB7551FE11}"/>
+              </a:ext>
+            </a:extLst>
+          </p:cNvPr>
+          <p:cNvPicPr>
+            <a:picLocks noChangeAspect="1"/>
+          </p:cNvPicPr>
+          <p:nvPr/>
+        </p:nvPicPr>
+        <p:blipFill>
+          <a:blip r:embed="rId4"/>
+          <a:stretch>
+            <a:fillRect/>
+          </a:stretch>
+        </p:blipFill>
+        <p:spPr>
+          <a:xfrm>
+            <a:off x="8457289" y="2867076"/>
+            <a:ext cx="3066554" cy="2243522"/>
+          </a:xfrm>
+          <a:prstGeom prst="rect">
+            <a:avLst/>
+          </a:prstGeom>
+        </p:spPr>
+      </p:pic>
+    </p:spTree>
+    <p:extLst>
+      <p:ext uri="{BB962C8B-B14F-4D97-AF65-F5344CB8AC3E}">
+        <p14:creationId xmlns:p14="http://schemas.microsoft.com/office/powerpoint/2010/main" val="4260237126"/>
+      </p:ext>
+    </p:extLst>
+  </p:cSld>
+  <p:clrMapOvr>
+    <a:masterClrMapping/>
+  </p:clrMapOvr>
+</p:sld>
+</file>
+
+<file path=ppt/slides/slide13.xml><?xml version="1.0" encoding="utf-8"?>
+<p:sld xmlns:a="http://schemas.openxmlformats.org/drawingml/2006/main" xmlns:r="http://schemas.openxmlformats.org/officeDocument/2006/relationships" xmlns:p="http://schemas.openxmlformats.org/presentationml/2006/main">
+  <p:cSld>
+    <p:spTree>
+      <p:nvGrpSpPr>
+        <p:cNvPr id="1" name=""/>
+        <p:cNvGrpSpPr/>
+        <p:nvPr/>
+      </p:nvGrpSpPr>
+      <p:grpSpPr>
+        <a:xfrm>
+          <a:off x="0" y="0"/>
+          <a:ext cx="0" cy="0"/>
+          <a:chOff x="0" y="0"/>
+          <a:chExt cx="0" cy="0"/>
+        </a:xfrm>
+      </p:grpSpPr>
+      <p:sp>
+        <p:nvSpPr>
+          <p:cNvPr id="2" name="Title 1">
+            <a:extLst>
+              <a:ext uri="{FF2B5EF4-FFF2-40B4-BE49-F238E27FC236}">
+                <a16:creationId xmlns:a16="http://schemas.microsoft.com/office/drawing/2014/main" id="{4F8EB9C9-D125-4A6D-A3E5-64AAAEC3FBAD}"/>
+              </a:ext>
+            </a:extLst>
+          </p:cNvPr>
+          <p:cNvSpPr>
+            <a:spLocks noGrp="1"/>
+          </p:cNvSpPr>
+          <p:nvPr>
+            <p:ph type="title"/>
+          </p:nvPr>
+        </p:nvSpPr>
+        <p:spPr/>
+        <p:txBody>
+          <a:bodyPr/>
+          <a:lstStyle/>
+          <a:p>
+            <a:pPr algn="ctr"/>
+            <a:r>
+              <a:rPr lang="en-US" dirty="0"/>
+              <a:t>Hello  World</a:t>
+            </a:r>
+            <a:br>
+              <a:rPr lang="en-US" dirty="0"/>
+            </a:br>
+            <a:r>
+              <a:rPr lang="en-US" sz="2000" i="1" dirty="0"/>
+              <a:t>pack() Attributes</a:t>
+            </a:r>
+          </a:p>
+        </p:txBody>
+      </p:sp>
+      <p:pic>
+        <p:nvPicPr>
+          <p:cNvPr id="4" name="Picture 3">
+            <a:extLst>
+              <a:ext uri="{FF2B5EF4-FFF2-40B4-BE49-F238E27FC236}">
+                <a16:creationId xmlns:a16="http://schemas.microsoft.com/office/drawing/2014/main" id="{31540C13-4317-4524-AC21-F68913D2C65C}"/>
+              </a:ext>
+            </a:extLst>
+          </p:cNvPr>
+          <p:cNvPicPr>
+            <a:picLocks noChangeAspect="1"/>
+          </p:cNvPicPr>
+          <p:nvPr/>
+        </p:nvPicPr>
+        <p:blipFill>
+          <a:blip r:embed="rId2"/>
+          <a:stretch>
+            <a:fillRect/>
+          </a:stretch>
+        </p:blipFill>
+        <p:spPr>
+          <a:xfrm>
+            <a:off x="1952139" y="2940017"/>
+            <a:ext cx="3305175" cy="2657475"/>
+          </a:xfrm>
+          <a:prstGeom prst="rect">
+            <a:avLst/>
+          </a:prstGeom>
+        </p:spPr>
+      </p:pic>
+      <p:pic>
+        <p:nvPicPr>
+          <p:cNvPr id="6" name="Picture 5">
+            <a:extLst>
+              <a:ext uri="{FF2B5EF4-FFF2-40B4-BE49-F238E27FC236}">
+                <a16:creationId xmlns:a16="http://schemas.microsoft.com/office/drawing/2014/main" id="{90F2CD44-D99B-4082-95C8-399ADFFD1BD4}"/>
+              </a:ext>
+            </a:extLst>
+          </p:cNvPr>
+          <p:cNvPicPr>
+            <a:picLocks noChangeAspect="1"/>
+          </p:cNvPicPr>
+          <p:nvPr/>
+        </p:nvPicPr>
+        <p:blipFill>
+          <a:blip r:embed="rId3"/>
+          <a:stretch>
+            <a:fillRect/>
+          </a:stretch>
+        </p:blipFill>
+        <p:spPr>
+          <a:xfrm>
+            <a:off x="6581192" y="2940017"/>
+            <a:ext cx="2936033" cy="2471284"/>
+          </a:xfrm>
+          <a:prstGeom prst="rect">
+            <a:avLst/>
+          </a:prstGeom>
+        </p:spPr>
+      </p:pic>
+    </p:spTree>
+    <p:extLst>
+      <p:ext uri="{BB962C8B-B14F-4D97-AF65-F5344CB8AC3E}">
+        <p14:creationId xmlns:p14="http://schemas.microsoft.com/office/powerpoint/2010/main" val="1415538667"/>
+      </p:ext>
+    </p:extLst>
+  </p:cSld>
+  <p:clrMapOvr>
+    <a:masterClrMapping/>
+  </p:clrMapOvr>
+</p:sld>
+</file>
+
+<file path=ppt/slides/slide14.xml><?xml version="1.0" encoding="utf-8"?>
+<p:sld xmlns:a="http://schemas.openxmlformats.org/drawingml/2006/main" xmlns:r="http://schemas.openxmlformats.org/officeDocument/2006/relationships" xmlns:p="http://schemas.openxmlformats.org/presentationml/2006/main">
+  <p:cSld>
+    <p:spTree>
+      <p:nvGrpSpPr>
+        <p:cNvPr id="1" name=""/>
+        <p:cNvGrpSpPr/>
+        <p:nvPr/>
+      </p:nvGrpSpPr>
+      <p:grpSpPr>
+        <a:xfrm>
+          <a:off x="0" y="0"/>
+          <a:ext cx="0" cy="0"/>
+          <a:chOff x="0" y="0"/>
+          <a:chExt cx="0" cy="0"/>
+        </a:xfrm>
+      </p:grpSpPr>
+      <p:sp>
+        <p:nvSpPr>
+          <p:cNvPr id="2" name="Title 1">
+            <a:extLst>
+              <a:ext uri="{FF2B5EF4-FFF2-40B4-BE49-F238E27FC236}">
+                <a16:creationId xmlns:a16="http://schemas.microsoft.com/office/drawing/2014/main" id="{4F8EB9C9-D125-4A6D-A3E5-64AAAEC3FBAD}"/>
+              </a:ext>
+            </a:extLst>
+          </p:cNvPr>
+          <p:cNvSpPr>
+            <a:spLocks noGrp="1"/>
+          </p:cNvSpPr>
+          <p:nvPr>
+            <p:ph type="title"/>
+          </p:nvPr>
+        </p:nvSpPr>
+        <p:spPr/>
+        <p:txBody>
+          <a:bodyPr/>
+          <a:lstStyle/>
+          <a:p>
+            <a:pPr algn="ctr"/>
+            <a:r>
+              <a:rPr lang="en-US" dirty="0"/>
+              <a:t>Hello  World</a:t>
+            </a:r>
+            <a:br>
+              <a:rPr lang="en-US" dirty="0"/>
+            </a:br>
+            <a:r>
+              <a:rPr lang="en-US" sz="2000" i="1" dirty="0"/>
+              <a:t>grid()</a:t>
+            </a:r>
+          </a:p>
+        </p:txBody>
+      </p:sp>
+      <p:pic>
+        <p:nvPicPr>
+          <p:cNvPr id="16" name="Picture 15">
+            <a:extLst>
+              <a:ext uri="{FF2B5EF4-FFF2-40B4-BE49-F238E27FC236}">
+                <a16:creationId xmlns:a16="http://schemas.microsoft.com/office/drawing/2014/main" id="{FB5F8A68-145C-4AF8-8484-4D13FDD1CCCA}"/>
+              </a:ext>
+            </a:extLst>
+          </p:cNvPr>
+          <p:cNvPicPr>
+            <a:picLocks noChangeAspect="1"/>
+          </p:cNvPicPr>
+          <p:nvPr/>
+        </p:nvPicPr>
+        <p:blipFill>
+          <a:blip r:embed="rId2"/>
+          <a:stretch>
+            <a:fillRect/>
+          </a:stretch>
+        </p:blipFill>
+        <p:spPr>
+          <a:xfrm>
+            <a:off x="8873219" y="2544137"/>
+            <a:ext cx="3067050" cy="2238375"/>
+          </a:xfrm>
+          <a:prstGeom prst="rect">
+            <a:avLst/>
+          </a:prstGeom>
+        </p:spPr>
+      </p:pic>
+      <p:pic>
+        <p:nvPicPr>
+          <p:cNvPr id="18" name="Picture 17">
+            <a:extLst>
+              <a:ext uri="{FF2B5EF4-FFF2-40B4-BE49-F238E27FC236}">
+                <a16:creationId xmlns:a16="http://schemas.microsoft.com/office/drawing/2014/main" id="{22E8F7E0-3676-494E-B5F1-B7243DBD1B34}"/>
+              </a:ext>
+            </a:extLst>
+          </p:cNvPr>
+          <p:cNvPicPr>
+            <a:picLocks noChangeAspect="1"/>
+          </p:cNvPicPr>
+          <p:nvPr/>
+        </p:nvPicPr>
+        <p:blipFill>
+          <a:blip r:embed="rId3"/>
+          <a:stretch>
+            <a:fillRect/>
+          </a:stretch>
+        </p:blipFill>
+        <p:spPr>
+          <a:xfrm>
+            <a:off x="666117" y="2476684"/>
+            <a:ext cx="3343275" cy="2752725"/>
+          </a:xfrm>
+          <a:prstGeom prst="rect">
+            <a:avLst/>
+          </a:prstGeom>
+        </p:spPr>
+      </p:pic>
+      <p:pic>
+        <p:nvPicPr>
+          <p:cNvPr id="22" name="Picture 21">
+            <a:extLst>
+              <a:ext uri="{FF2B5EF4-FFF2-40B4-BE49-F238E27FC236}">
+                <a16:creationId xmlns:a16="http://schemas.microsoft.com/office/drawing/2014/main" id="{AF0F218F-D8C7-4693-B48C-6871DE23B831}"/>
+              </a:ext>
+            </a:extLst>
+          </p:cNvPr>
+          <p:cNvPicPr>
+            <a:picLocks noChangeAspect="1"/>
+          </p:cNvPicPr>
+          <p:nvPr/>
+        </p:nvPicPr>
+        <p:blipFill>
+          <a:blip r:embed="rId4"/>
+          <a:stretch>
+            <a:fillRect/>
+          </a:stretch>
+        </p:blipFill>
+        <p:spPr>
+          <a:xfrm>
+            <a:off x="3977369" y="2476684"/>
+            <a:ext cx="4895850" cy="2695575"/>
+          </a:xfrm>
+          <a:prstGeom prst="rect">
+            <a:avLst/>
+          </a:prstGeom>
+        </p:spPr>
+      </p:pic>
+    </p:spTree>
+    <p:extLst>
+      <p:ext uri="{BB962C8B-B14F-4D97-AF65-F5344CB8AC3E}">
+        <p14:creationId xmlns:p14="http://schemas.microsoft.com/office/powerpoint/2010/main" val="843192391"/>
+      </p:ext>
+    </p:extLst>
+  </p:cSld>
+  <p:clrMapOvr>
+    <a:masterClrMapping/>
+  </p:clrMapOvr>
+</p:sld>
+</file>
+
+<file path=ppt/slides/slide15.xml><?xml version="1.0" encoding="utf-8"?>
 <p:sld xmlns:a="http://schemas.openxmlformats.org/drawingml/2006/main" xmlns:r="http://schemas.openxmlformats.org/officeDocument/2006/relationships" xmlns:p="http://schemas.openxmlformats.org/presentationml/2006/main">
   <p:cSld>
     <p:spTree>
@@ -12659,396 +13496,7 @@
 </p:sld>
 </file>
 
-<file path=ppt/slides/slide11.xml><?xml version="1.0" encoding="utf-8"?>
-<p:sld xmlns:a="http://schemas.openxmlformats.org/drawingml/2006/main" xmlns:r="http://schemas.openxmlformats.org/officeDocument/2006/relationships" xmlns:p="http://schemas.openxmlformats.org/presentationml/2006/main">
-  <p:cSld>
-    <p:spTree>
-      <p:nvGrpSpPr>
-        <p:cNvPr id="1" name=""/>
-        <p:cNvGrpSpPr/>
-        <p:nvPr/>
-      </p:nvGrpSpPr>
-      <p:grpSpPr>
-        <a:xfrm>
-          <a:off x="0" y="0"/>
-          <a:ext cx="0" cy="0"/>
-          <a:chOff x="0" y="0"/>
-          <a:chExt cx="0" cy="0"/>
-        </a:xfrm>
-      </p:grpSpPr>
-      <p:sp>
-        <p:nvSpPr>
-          <p:cNvPr id="2" name="Title 1">
-            <a:extLst>
-              <a:ext uri="{FF2B5EF4-FFF2-40B4-BE49-F238E27FC236}">
-                <a16:creationId xmlns:a16="http://schemas.microsoft.com/office/drawing/2014/main" id="{17FC6CAB-93A9-44E9-B1C2-4C81D4CAA570}"/>
-              </a:ext>
-            </a:extLst>
-          </p:cNvPr>
-          <p:cNvSpPr>
-            <a:spLocks noGrp="1"/>
-          </p:cNvSpPr>
-          <p:nvPr>
-            <p:ph type="title"/>
-          </p:nvPr>
-        </p:nvSpPr>
-        <p:spPr/>
-        <p:txBody>
-          <a:bodyPr/>
-          <a:lstStyle/>
-          <a:p>
-            <a:pPr algn="ctr"/>
-            <a:r>
-              <a:rPr lang="en-US" dirty="0" err="1"/>
-              <a:t>Tkinter</a:t>
-            </a:r>
-            <a:r>
-              <a:rPr lang="en-US" dirty="0"/>
-              <a:t> Layout Managers</a:t>
-            </a:r>
-            <a:br>
-              <a:rPr lang="en-US" dirty="0"/>
-            </a:br>
-            <a:r>
-              <a:rPr lang="en-US" b="0" i="0" dirty="0">
-                <a:effectLst/>
-                <a:latin typeface="Arial" panose="020B0604020202020204" pitchFamily="34" charset="0"/>
-              </a:rPr>
-              <a:t>Geometry Management</a:t>
-            </a:r>
-            <a:br>
-              <a:rPr lang="en-US" b="0" i="0" dirty="0">
-                <a:effectLst/>
-                <a:latin typeface="Arial" panose="020B0604020202020204" pitchFamily="34" charset="0"/>
-              </a:rPr>
-            </a:br>
-            <a:endParaRPr lang="en-US" dirty="0"/>
-          </a:p>
-        </p:txBody>
-      </p:sp>
-      <p:sp>
-        <p:nvSpPr>
-          <p:cNvPr id="3" name="Content Placeholder 2">
-            <a:extLst>
-              <a:ext uri="{FF2B5EF4-FFF2-40B4-BE49-F238E27FC236}">
-                <a16:creationId xmlns:a16="http://schemas.microsoft.com/office/drawing/2014/main" id="{BE366B98-A254-4979-8652-39D649157233}"/>
-              </a:ext>
-            </a:extLst>
-          </p:cNvPr>
-          <p:cNvSpPr>
-            <a:spLocks noGrp="1"/>
-          </p:cNvSpPr>
-          <p:nvPr>
-            <p:ph idx="1"/>
-          </p:nvPr>
-        </p:nvSpPr>
-        <p:spPr/>
-        <p:txBody>
-          <a:bodyPr>
-            <a:normAutofit fontScale="92500" lnSpcReduction="10000"/>
-          </a:bodyPr>
-          <a:lstStyle/>
-          <a:p>
-            <a:r>
-              <a:rPr lang="en-US" dirty="0"/>
-              <a:t>Pack (like Java Swing </a:t>
-            </a:r>
-            <a:r>
-              <a:rPr lang="en-US" dirty="0" err="1"/>
-              <a:t>FlowLayout</a:t>
-            </a:r>
-            <a:r>
-              <a:rPr lang="en-US" dirty="0"/>
-              <a:t>)</a:t>
-            </a:r>
-          </a:p>
-          <a:p>
-            <a:pPr lvl="1"/>
-            <a:r>
-              <a:rPr lang="en-US" b="0" i="0" dirty="0">
-                <a:solidFill>
-                  <a:srgbClr val="000000"/>
-                </a:solidFill>
-                <a:effectLst/>
-                <a:latin typeface="Georgia" panose="02040502050405020303" pitchFamily="18" charset="0"/>
-              </a:rPr>
-              <a:t>Put a widget inside a frame (or any other container widget), and have it fill the entire frame</a:t>
-            </a:r>
-          </a:p>
-          <a:p>
-            <a:pPr lvl="1"/>
-            <a:r>
-              <a:rPr lang="en-US" b="0" i="0" dirty="0">
-                <a:solidFill>
-                  <a:srgbClr val="000000"/>
-                </a:solidFill>
-                <a:effectLst/>
-                <a:latin typeface="Georgia" panose="02040502050405020303" pitchFamily="18" charset="0"/>
-              </a:rPr>
-              <a:t>Place a number of widgets </a:t>
-            </a:r>
-            <a:r>
-              <a:rPr lang="en-US" b="1" i="0" dirty="0">
-                <a:solidFill>
-                  <a:srgbClr val="000000"/>
-                </a:solidFill>
-                <a:effectLst/>
-                <a:latin typeface="Georgia" panose="02040502050405020303" pitchFamily="18" charset="0"/>
-              </a:rPr>
-              <a:t>on top of each other</a:t>
-            </a:r>
-            <a:endParaRPr lang="en-US" dirty="0">
-              <a:solidFill>
-                <a:srgbClr val="000000"/>
-              </a:solidFill>
-              <a:latin typeface="Georgia" panose="02040502050405020303" pitchFamily="18" charset="0"/>
-            </a:endParaRPr>
-          </a:p>
-          <a:p>
-            <a:pPr lvl="1"/>
-            <a:r>
-              <a:rPr lang="en-US" b="0" i="0" dirty="0">
-                <a:solidFill>
-                  <a:srgbClr val="000000"/>
-                </a:solidFill>
-                <a:effectLst/>
-                <a:latin typeface="Georgia" panose="02040502050405020303" pitchFamily="18" charset="0"/>
-              </a:rPr>
-              <a:t>Place a number of widgets </a:t>
-            </a:r>
-            <a:r>
-              <a:rPr lang="en-US" b="1" i="0" dirty="0">
-                <a:solidFill>
-                  <a:srgbClr val="000000"/>
-                </a:solidFill>
-                <a:effectLst/>
-                <a:latin typeface="Georgia" panose="02040502050405020303" pitchFamily="18" charset="0"/>
-              </a:rPr>
-              <a:t>side by side</a:t>
-            </a:r>
-            <a:endParaRPr lang="en-US" dirty="0"/>
-          </a:p>
-          <a:p>
-            <a:r>
-              <a:rPr lang="en-US" dirty="0"/>
-              <a:t>Grid (like Java Swing </a:t>
-            </a:r>
-            <a:r>
-              <a:rPr lang="en-US" dirty="0" err="1"/>
-              <a:t>GridLayout</a:t>
-            </a:r>
-            <a:r>
-              <a:rPr lang="en-US" dirty="0"/>
-              <a:t>)</a:t>
-            </a:r>
-          </a:p>
-          <a:p>
-            <a:pPr lvl="1"/>
-            <a:r>
-              <a:rPr lang="en-US" dirty="0"/>
-              <a:t>Screen set up in a row/column grid</a:t>
-            </a:r>
-          </a:p>
-          <a:p>
-            <a:pPr lvl="1"/>
-            <a:r>
-              <a:rPr lang="en-US" dirty="0"/>
-              <a:t>More Flexible</a:t>
-            </a:r>
-          </a:p>
-          <a:p>
-            <a:r>
-              <a:rPr lang="en-US" dirty="0"/>
-              <a:t>Place – </a:t>
-            </a:r>
-            <a:r>
-              <a:rPr lang="en-US" sz="1600" b="1" dirty="0">
-                <a:solidFill>
-                  <a:srgbClr val="000000"/>
-                </a:solidFill>
-                <a:latin typeface="Georgia" panose="02040502050405020303" pitchFamily="18" charset="0"/>
-              </a:rPr>
-              <a:t>position based</a:t>
-            </a:r>
-          </a:p>
-          <a:p>
-            <a:r>
-              <a:rPr lang="en-US" dirty="0"/>
-              <a:t>You cannot mix layout managers</a:t>
-            </a:r>
-          </a:p>
-          <a:p>
-            <a:pPr lvl="1"/>
-            <a:r>
-              <a:rPr lang="en-US" dirty="0"/>
-              <a:t>Exception – widgets inside a Frame or </a:t>
-            </a:r>
-            <a:r>
-              <a:rPr lang="en-US" dirty="0" err="1"/>
-              <a:t>LabelFrame</a:t>
-            </a:r>
-            <a:endParaRPr lang="en-US" dirty="0"/>
-          </a:p>
-          <a:p>
-            <a:endParaRPr lang="en-US" dirty="0"/>
-          </a:p>
-        </p:txBody>
-      </p:sp>
-    </p:spTree>
-    <p:extLst>
-      <p:ext uri="{BB962C8B-B14F-4D97-AF65-F5344CB8AC3E}">
-        <p14:creationId xmlns:p14="http://schemas.microsoft.com/office/powerpoint/2010/main" val="4068094357"/>
-      </p:ext>
-    </p:extLst>
-  </p:cSld>
-  <p:clrMapOvr>
-    <a:masterClrMapping/>
-  </p:clrMapOvr>
-</p:sld>
-</file>
-
-<file path=ppt/slides/slide12.xml><?xml version="1.0" encoding="utf-8"?>
-<p:sld xmlns:a="http://schemas.openxmlformats.org/drawingml/2006/main" xmlns:r="http://schemas.openxmlformats.org/officeDocument/2006/relationships" xmlns:p="http://schemas.openxmlformats.org/presentationml/2006/main">
-  <p:cSld>
-    <p:spTree>
-      <p:nvGrpSpPr>
-        <p:cNvPr id="1" name=""/>
-        <p:cNvGrpSpPr/>
-        <p:nvPr/>
-      </p:nvGrpSpPr>
-      <p:grpSpPr>
-        <a:xfrm>
-          <a:off x="0" y="0"/>
-          <a:ext cx="0" cy="0"/>
-          <a:chOff x="0" y="0"/>
-          <a:chExt cx="0" cy="0"/>
-        </a:xfrm>
-      </p:grpSpPr>
-      <p:sp>
-        <p:nvSpPr>
-          <p:cNvPr id="2" name="Title 1">
-            <a:extLst>
-              <a:ext uri="{FF2B5EF4-FFF2-40B4-BE49-F238E27FC236}">
-                <a16:creationId xmlns:a16="http://schemas.microsoft.com/office/drawing/2014/main" id="{30ED73CC-860D-46DD-8571-0E877376D402}"/>
-              </a:ext>
-            </a:extLst>
-          </p:cNvPr>
-          <p:cNvSpPr>
-            <a:spLocks noGrp="1"/>
-          </p:cNvSpPr>
-          <p:nvPr>
-            <p:ph type="title"/>
-          </p:nvPr>
-        </p:nvSpPr>
-        <p:spPr/>
-        <p:txBody>
-          <a:bodyPr/>
-          <a:lstStyle/>
-          <a:p>
-            <a:pPr algn="ctr"/>
-            <a:r>
-              <a:rPr lang="en-US" dirty="0"/>
-              <a:t>Placing widgets on the Screen</a:t>
-            </a:r>
-          </a:p>
-        </p:txBody>
-      </p:sp>
-      <p:sp>
-        <p:nvSpPr>
-          <p:cNvPr id="3" name="Content Placeholder 2">
-            <a:extLst>
-              <a:ext uri="{FF2B5EF4-FFF2-40B4-BE49-F238E27FC236}">
-                <a16:creationId xmlns:a16="http://schemas.microsoft.com/office/drawing/2014/main" id="{4DA56F50-0925-4501-85E5-94BB316394E8}"/>
-              </a:ext>
-            </a:extLst>
-          </p:cNvPr>
-          <p:cNvSpPr>
-            <a:spLocks noGrp="1"/>
-          </p:cNvSpPr>
-          <p:nvPr>
-            <p:ph idx="1"/>
-          </p:nvPr>
-        </p:nvSpPr>
-        <p:spPr/>
-        <p:txBody>
-          <a:bodyPr/>
-          <a:lstStyle/>
-          <a:p>
-            <a:r>
-              <a:rPr lang="en-US" dirty="0"/>
-              <a:t>Define the widgets and its attributes first</a:t>
-            </a:r>
-          </a:p>
-          <a:p>
-            <a:pPr lvl="1"/>
-            <a:r>
-              <a:rPr lang="en-US" dirty="0"/>
-              <a:t>Defines it in memory</a:t>
-            </a:r>
-          </a:p>
-          <a:p>
-            <a:pPr lvl="1"/>
-            <a:endParaRPr lang="en-US" dirty="0"/>
-          </a:p>
-          <a:p>
-            <a:r>
-              <a:rPr lang="en-US" dirty="0"/>
-              <a:t>Attach it to a layout manager</a:t>
-            </a:r>
-          </a:p>
-          <a:p>
-            <a:pPr lvl="1"/>
-            <a:r>
-              <a:rPr lang="en-US" dirty="0"/>
-              <a:t>Places it on the screen</a:t>
-            </a:r>
-          </a:p>
-        </p:txBody>
-      </p:sp>
-      <p:pic>
-        <p:nvPicPr>
-          <p:cNvPr id="5" name="Picture 4">
-            <a:extLst>
-              <a:ext uri="{FF2B5EF4-FFF2-40B4-BE49-F238E27FC236}">
-                <a16:creationId xmlns:a16="http://schemas.microsoft.com/office/drawing/2014/main" id="{2551B9A7-A611-4156-BD1B-5E59025AD812}"/>
-              </a:ext>
-            </a:extLst>
-          </p:cNvPr>
-          <p:cNvPicPr>
-            <a:picLocks noChangeAspect="1"/>
-          </p:cNvPicPr>
-          <p:nvPr/>
-        </p:nvPicPr>
-        <p:blipFill>
-          <a:blip r:embed="rId2"/>
-          <a:stretch>
-            <a:fillRect/>
-          </a:stretch>
-        </p:blipFill>
-        <p:spPr>
-          <a:xfrm>
-            <a:off x="6538816" y="3060700"/>
-            <a:ext cx="4152900" cy="1123950"/>
-          </a:xfrm>
-          <a:prstGeom prst="rect">
-            <a:avLst/>
-          </a:prstGeom>
-        </p:spPr>
-      </p:pic>
-    </p:spTree>
-    <p:extLst>
-      <p:ext uri="{BB962C8B-B14F-4D97-AF65-F5344CB8AC3E}">
-        <p14:creationId xmlns:p14="http://schemas.microsoft.com/office/powerpoint/2010/main" val="2140386150"/>
-      </p:ext>
-    </p:extLst>
-  </p:cSld>
-  <p:clrMapOvr>
-    <a:masterClrMapping/>
-  </p:clrMapOvr>
-</p:sld>
-</file>
-
-<file path=ppt/slides/slide13.xml><?xml version="1.0" encoding="utf-8"?>
+<file path=ppt/slides/slide16.xml><?xml version="1.0" encoding="utf-8"?>
 <p:sld xmlns:a="http://schemas.openxmlformats.org/drawingml/2006/main" xmlns:r="http://schemas.openxmlformats.org/officeDocument/2006/relationships" xmlns:p="http://schemas.openxmlformats.org/presentationml/2006/main">
   <p:cSld>
     <p:spTree>
@@ -13172,7 +13620,7 @@
 </p:sld>
 </file>
 
-<file path=ppt/slides/slide14.xml><?xml version="1.0" encoding="utf-8"?>
+<file path=ppt/slides/slide17.xml><?xml version="1.0" encoding="utf-8"?>
 <p:sld xmlns:a="http://schemas.openxmlformats.org/drawingml/2006/main" xmlns:r="http://schemas.openxmlformats.org/officeDocument/2006/relationships" xmlns:p="http://schemas.openxmlformats.org/presentationml/2006/main">
   <p:cSld>
     <p:spTree>
@@ -13232,8 +13680,8 @@
         </p:nvSpPr>
         <p:spPr>
           <a:xfrm>
-            <a:off x="2771941" y="2624611"/>
-            <a:ext cx="6097554" cy="3170099"/>
+            <a:off x="2788719" y="2667160"/>
+            <a:ext cx="6097554" cy="3816429"/>
           </a:xfrm>
           <a:prstGeom prst="rect">
             <a:avLst/>
@@ -13247,142 +13695,142 @@
           <a:lstStyle/>
           <a:p>
             <a:r>
-              <a:rPr lang="en-US" sz="1000" dirty="0"/>
+              <a:rPr lang="en-US" sz="1100" dirty="0"/>
               <a:t>Syntax</a:t>
             </a:r>
           </a:p>
           <a:p>
             <a:r>
-              <a:rPr lang="en-US" sz="1000" dirty="0" err="1"/>
+              <a:rPr lang="en-US" sz="1100" dirty="0" err="1"/>
               <a:t>widget.grid</a:t>
             </a:r>
             <a:r>
-              <a:rPr lang="en-US" sz="1000" dirty="0"/>
+              <a:rPr lang="en-US" sz="1100" dirty="0"/>
               <a:t>( </a:t>
             </a:r>
             <a:r>
-              <a:rPr lang="en-US" sz="1000" dirty="0" err="1"/>
+              <a:rPr lang="en-US" sz="1100" dirty="0" err="1"/>
               <a:t>grid_options</a:t>
             </a:r>
             <a:r>
-              <a:rPr lang="en-US" sz="1000" dirty="0"/>
+              <a:rPr lang="en-US" sz="1100" dirty="0"/>
               <a:t> )</a:t>
             </a:r>
           </a:p>
           <a:p>
             <a:r>
-              <a:rPr lang="en-US" sz="1000" dirty="0"/>
+              <a:rPr lang="en-US" sz="1100" dirty="0"/>
               <a:t>Here is the list of possible options −</a:t>
             </a:r>
           </a:p>
           <a:p>
-            <a:endParaRPr lang="en-US" sz="1000" dirty="0"/>
-          </a:p>
-          <a:p>
-            <a:r>
-              <a:rPr lang="en-US" sz="1000" dirty="0"/>
+            <a:endParaRPr lang="en-US" sz="1100" dirty="0"/>
+          </a:p>
+          <a:p>
+            <a:r>
+              <a:rPr lang="en-US" sz="1100" dirty="0"/>
               <a:t>column − The column to put widget in; default 0 (leftmost column).</a:t>
             </a:r>
           </a:p>
           <a:p>
-            <a:endParaRPr lang="en-US" sz="1000" dirty="0"/>
-          </a:p>
-          <a:p>
-            <a:r>
-              <a:rPr lang="en-US" sz="1000" dirty="0" err="1"/>
+            <a:endParaRPr lang="en-US" sz="1100" dirty="0"/>
+          </a:p>
+          <a:p>
+            <a:r>
+              <a:rPr lang="en-US" sz="1100" dirty="0" err="1"/>
               <a:t>columnspan</a:t>
             </a:r>
             <a:r>
-              <a:rPr lang="en-US" sz="1000" dirty="0"/>
+              <a:rPr lang="en-US" sz="1100" dirty="0"/>
               <a:t> − How many columns </a:t>
             </a:r>
             <a:r>
-              <a:rPr lang="en-US" sz="1000" dirty="0" err="1"/>
+              <a:rPr lang="en-US" sz="1100" dirty="0" err="1"/>
               <a:t>widgetoccupies</a:t>
             </a:r>
             <a:r>
-              <a:rPr lang="en-US" sz="1000" dirty="0"/>
+              <a:rPr lang="en-US" sz="1100" dirty="0"/>
               <a:t>; default 1.</a:t>
             </a:r>
           </a:p>
           <a:p>
-            <a:endParaRPr lang="en-US" sz="1000" dirty="0"/>
-          </a:p>
-          <a:p>
-            <a:r>
-              <a:rPr lang="en-US" sz="1000" dirty="0" err="1"/>
+            <a:endParaRPr lang="en-US" sz="1100" dirty="0"/>
+          </a:p>
+          <a:p>
+            <a:r>
+              <a:rPr lang="en-US" sz="1100" dirty="0" err="1"/>
               <a:t>ipadx</a:t>
             </a:r>
             <a:r>
-              <a:rPr lang="en-US" sz="1000" dirty="0"/>
+              <a:rPr lang="en-US" sz="1100" dirty="0"/>
               <a:t>, </a:t>
             </a:r>
             <a:r>
-              <a:rPr lang="en-US" sz="1000" dirty="0" err="1"/>
+              <a:rPr lang="en-US" sz="1100" dirty="0" err="1"/>
               <a:t>ipady</a:t>
             </a:r>
             <a:r>
-              <a:rPr lang="en-US" sz="1000" dirty="0"/>
+              <a:rPr lang="en-US" sz="1100" dirty="0"/>
               <a:t> − How many pixels to pad widget, horizontally and vertically, inside widget's borders.</a:t>
             </a:r>
           </a:p>
           <a:p>
-            <a:endParaRPr lang="en-US" sz="1000" dirty="0"/>
-          </a:p>
-          <a:p>
-            <a:r>
-              <a:rPr lang="en-US" sz="1000" dirty="0" err="1"/>
+            <a:endParaRPr lang="en-US" sz="1100" dirty="0"/>
+          </a:p>
+          <a:p>
+            <a:r>
+              <a:rPr lang="en-US" sz="1100" dirty="0" err="1"/>
               <a:t>padx</a:t>
             </a:r>
             <a:r>
-              <a:rPr lang="en-US" sz="1000" dirty="0"/>
+              <a:rPr lang="en-US" sz="1100" dirty="0"/>
               <a:t>, </a:t>
             </a:r>
             <a:r>
-              <a:rPr lang="en-US" sz="1000" dirty="0" err="1"/>
+              <a:rPr lang="en-US" sz="1100" dirty="0" err="1"/>
               <a:t>pady</a:t>
             </a:r>
             <a:r>
-              <a:rPr lang="en-US" sz="1000" dirty="0"/>
+              <a:rPr lang="en-US" sz="1100" dirty="0"/>
               <a:t> − How many pixels to pad widget, horizontally and vertically, outside v's borders.</a:t>
             </a:r>
           </a:p>
           <a:p>
-            <a:endParaRPr lang="en-US" sz="1000" dirty="0"/>
-          </a:p>
-          <a:p>
-            <a:r>
-              <a:rPr lang="en-US" sz="1000" dirty="0"/>
+            <a:endParaRPr lang="en-US" sz="1100" dirty="0"/>
+          </a:p>
+          <a:p>
+            <a:r>
+              <a:rPr lang="en-US" sz="1100" dirty="0"/>
               <a:t>row − The row to put widget in; default the first row that is still empty.</a:t>
             </a:r>
           </a:p>
           <a:p>
-            <a:endParaRPr lang="en-US" sz="1000" dirty="0"/>
-          </a:p>
-          <a:p>
-            <a:r>
-              <a:rPr lang="en-US" sz="1000" dirty="0" err="1"/>
+            <a:endParaRPr lang="en-US" sz="1100" dirty="0"/>
+          </a:p>
+          <a:p>
+            <a:r>
+              <a:rPr lang="en-US" sz="1100" dirty="0" err="1"/>
               <a:t>rowspan</a:t>
             </a:r>
             <a:r>
-              <a:rPr lang="en-US" sz="1000" dirty="0"/>
+              <a:rPr lang="en-US" sz="1100" dirty="0"/>
               <a:t> − How many </a:t>
             </a:r>
             <a:r>
-              <a:rPr lang="en-US" sz="1000" dirty="0" err="1"/>
+              <a:rPr lang="en-US" sz="1100" dirty="0" err="1"/>
               <a:t>rowswidget</a:t>
             </a:r>
             <a:r>
-              <a:rPr lang="en-US" sz="1000" dirty="0"/>
+              <a:rPr lang="en-US" sz="1100" dirty="0"/>
               <a:t> occupies; default 1.</a:t>
             </a:r>
           </a:p>
           <a:p>
-            <a:endParaRPr lang="en-US" sz="1000" dirty="0"/>
-          </a:p>
-          <a:p>
-            <a:r>
-              <a:rPr lang="en-US" sz="1000" dirty="0"/>
+            <a:endParaRPr lang="en-US" sz="1100" dirty="0"/>
+          </a:p>
+          <a:p>
+            <a:r>
+              <a:rPr lang="en-US" sz="1100" dirty="0"/>
               <a:t>sticky − What to do if the cell is larger than widget. By default, with sticky='', widget is centered in its cell. sticky may be the string concatenation of zero or more of N, E, S, W, NE, NW, SE, and SW, compass directions indicating the sides and corners of the cell to which widget sticks.</a:t>
             </a:r>
           </a:p>
@@ -13401,7 +13849,156 @@
 </p:sld>
 </file>
 
-<file path=ppt/slides/slide15.xml><?xml version="1.0" encoding="utf-8"?>
+<file path=ppt/slides/slide18.xml><?xml version="1.0" encoding="utf-8"?>
+<p:sld xmlns:a="http://schemas.openxmlformats.org/drawingml/2006/main" xmlns:r="http://schemas.openxmlformats.org/officeDocument/2006/relationships" xmlns:p="http://schemas.openxmlformats.org/presentationml/2006/main">
+  <p:cSld>
+    <p:spTree>
+      <p:nvGrpSpPr>
+        <p:cNvPr id="1" name=""/>
+        <p:cNvGrpSpPr/>
+        <p:nvPr/>
+      </p:nvGrpSpPr>
+      <p:grpSpPr>
+        <a:xfrm>
+          <a:off x="0" y="0"/>
+          <a:ext cx="0" cy="0"/>
+          <a:chOff x="0" y="0"/>
+          <a:chExt cx="0" cy="0"/>
+        </a:xfrm>
+      </p:grpSpPr>
+      <p:sp>
+        <p:nvSpPr>
+          <p:cNvPr id="2" name="Title 1">
+            <a:extLst>
+              <a:ext uri="{FF2B5EF4-FFF2-40B4-BE49-F238E27FC236}">
+                <a16:creationId xmlns:a16="http://schemas.microsoft.com/office/drawing/2014/main" id="{1DA095F5-8F8D-453C-ACC7-B5BFC03D85C3}"/>
+              </a:ext>
+            </a:extLst>
+          </p:cNvPr>
+          <p:cNvSpPr>
+            <a:spLocks noGrp="1"/>
+          </p:cNvSpPr>
+          <p:nvPr>
+            <p:ph type="title"/>
+          </p:nvPr>
+        </p:nvSpPr>
+        <p:spPr/>
+        <p:txBody>
+          <a:bodyPr/>
+          <a:lstStyle/>
+          <a:p>
+            <a:pPr algn="ctr"/>
+            <a:r>
+              <a:rPr lang="en-US" dirty="0"/>
+              <a:t>Two Classes of widgets</a:t>
+            </a:r>
+          </a:p>
+        </p:txBody>
+      </p:sp>
+      <p:sp>
+        <p:nvSpPr>
+          <p:cNvPr id="3" name="Content Placeholder 2">
+            <a:extLst>
+              <a:ext uri="{FF2B5EF4-FFF2-40B4-BE49-F238E27FC236}">
+                <a16:creationId xmlns:a16="http://schemas.microsoft.com/office/drawing/2014/main" id="{4E062614-BBEE-4BC3-A223-8DDDC5F217CF}"/>
+              </a:ext>
+            </a:extLst>
+          </p:cNvPr>
+          <p:cNvSpPr>
+            <a:spLocks noGrp="1"/>
+          </p:cNvSpPr>
+          <p:nvPr>
+            <p:ph idx="1"/>
+          </p:nvPr>
+        </p:nvSpPr>
+        <p:spPr/>
+        <p:txBody>
+          <a:bodyPr/>
+          <a:lstStyle/>
+          <a:p>
+            <a:r>
+              <a:rPr lang="en-US" dirty="0"/>
+              <a:t>Classic</a:t>
+            </a:r>
+          </a:p>
+          <a:p>
+            <a:r>
+              <a:rPr lang="en-US" dirty="0" err="1"/>
+              <a:t>Tkk</a:t>
+            </a:r>
+            <a:r>
+              <a:rPr lang="en-US" dirty="0"/>
+              <a:t> </a:t>
+            </a:r>
+          </a:p>
+          <a:p>
+            <a:pPr lvl="1"/>
+            <a:r>
+              <a:rPr lang="en-US" dirty="0"/>
+              <a:t>Updated widgets</a:t>
+            </a:r>
+          </a:p>
+          <a:p>
+            <a:pPr lvl="1"/>
+            <a:r>
+              <a:rPr lang="en-US" dirty="0"/>
+              <a:t>New widgets – Trees, </a:t>
+            </a:r>
+            <a:r>
+              <a:rPr lang="en-US" dirty="0" err="1"/>
+              <a:t>ComboBoxes</a:t>
+            </a:r>
+            <a:r>
+              <a:rPr lang="en-US" dirty="0"/>
+              <a:t>, Tabbed Notebooks, and more…</a:t>
+            </a:r>
+          </a:p>
+          <a:p>
+            <a:pPr lvl="2"/>
+            <a:r>
+              <a:rPr lang="en-US" dirty="0"/>
+              <a:t>from </a:t>
+            </a:r>
+            <a:r>
+              <a:rPr lang="en-US" dirty="0" err="1"/>
+              <a:t>tkinter</a:t>
+            </a:r>
+            <a:r>
+              <a:rPr lang="en-US" dirty="0"/>
+              <a:t> import *</a:t>
+            </a:r>
+          </a:p>
+          <a:p>
+            <a:pPr lvl="2"/>
+            <a:r>
+              <a:rPr lang="en-US" dirty="0"/>
+              <a:t>from </a:t>
+            </a:r>
+            <a:r>
+              <a:rPr lang="en-US" dirty="0" err="1"/>
+              <a:t>tkinter.tkk</a:t>
+            </a:r>
+            <a:r>
+              <a:rPr lang="en-US" dirty="0"/>
+              <a:t> import *</a:t>
+            </a:r>
+          </a:p>
+        </p:txBody>
+      </p:sp>
+    </p:spTree>
+    <p:extLst>
+      <p:ext uri="{BB962C8B-B14F-4D97-AF65-F5344CB8AC3E}">
+        <p14:creationId xmlns:p14="http://schemas.microsoft.com/office/powerpoint/2010/main" val="3008005010"/>
+      </p:ext>
+    </p:extLst>
+  </p:cSld>
+  <p:clrMapOvr>
+    <a:masterClrMapping/>
+  </p:clrMapOvr>
+</p:sld>
+</file>
+
+<file path=ppt/slides/slide19.xml><?xml version="1.0" encoding="utf-8"?>
 <p:sld xmlns:a="http://schemas.openxmlformats.org/drawingml/2006/main" xmlns:r="http://schemas.openxmlformats.org/officeDocument/2006/relationships" xmlns:p="http://schemas.openxmlformats.org/presentationml/2006/main">
   <p:cSld>
     <p:bg>
@@ -13496,7 +14093,109 @@
 </p:sld>
 </file>
 
-<file path=ppt/slides/slide16.xml><?xml version="1.0" encoding="utf-8"?>
+<file path=ppt/slides/slide2.xml><?xml version="1.0" encoding="utf-8"?>
+<p:sld xmlns:a="http://schemas.openxmlformats.org/drawingml/2006/main" xmlns:r="http://schemas.openxmlformats.org/officeDocument/2006/relationships" xmlns:p="http://schemas.openxmlformats.org/presentationml/2006/main">
+  <p:cSld>
+    <p:spTree>
+      <p:nvGrpSpPr>
+        <p:cNvPr id="1" name=""/>
+        <p:cNvGrpSpPr/>
+        <p:nvPr/>
+      </p:nvGrpSpPr>
+      <p:grpSpPr>
+        <a:xfrm>
+          <a:off x="0" y="0"/>
+          <a:ext cx="0" cy="0"/>
+          <a:chOff x="0" y="0"/>
+          <a:chExt cx="0" cy="0"/>
+        </a:xfrm>
+      </p:grpSpPr>
+      <p:sp>
+        <p:nvSpPr>
+          <p:cNvPr id="2" name="Title 1">
+            <a:extLst>
+              <a:ext uri="{FF2B5EF4-FFF2-40B4-BE49-F238E27FC236}">
+                <a16:creationId xmlns:a16="http://schemas.microsoft.com/office/drawing/2014/main" id="{C6062246-B4DD-4D59-85C9-E59ECEC0341F}"/>
+              </a:ext>
+            </a:extLst>
+          </p:cNvPr>
+          <p:cNvSpPr>
+            <a:spLocks noGrp="1"/>
+          </p:cNvSpPr>
+          <p:nvPr>
+            <p:ph type="title"/>
+          </p:nvPr>
+        </p:nvSpPr>
+        <p:spPr/>
+        <p:txBody>
+          <a:bodyPr/>
+          <a:lstStyle/>
+          <a:p>
+            <a:pPr algn="ctr"/>
+            <a:r>
+              <a:rPr lang="en-US" dirty="0"/>
+              <a:t>Disclaimer</a:t>
+            </a:r>
+          </a:p>
+        </p:txBody>
+      </p:sp>
+      <p:sp>
+        <p:nvSpPr>
+          <p:cNvPr id="3" name="TextBox 2">
+            <a:extLst>
+              <a:ext uri="{FF2B5EF4-FFF2-40B4-BE49-F238E27FC236}">
+                <a16:creationId xmlns:a16="http://schemas.microsoft.com/office/drawing/2014/main" id="{32CB9432-9EAE-4A6E-905A-5CAAF560FDA3}"/>
+              </a:ext>
+            </a:extLst>
+          </p:cNvPr>
+          <p:cNvSpPr txBox="1"/>
+          <p:nvPr/>
+        </p:nvSpPr>
+        <p:spPr>
+          <a:xfrm>
+            <a:off x="2374085" y="3429000"/>
+            <a:ext cx="6148008" cy="1200329"/>
+          </a:xfrm>
+          <a:prstGeom prst="rect">
+            <a:avLst/>
+          </a:prstGeom>
+          <a:noFill/>
+        </p:spPr>
+        <p:txBody>
+          <a:bodyPr wrap="square" rtlCol="0">
+            <a:spAutoFit/>
+          </a:bodyPr>
+          <a:lstStyle/>
+          <a:p>
+            <a:r>
+              <a:rPr lang="en-US" sz="3600" dirty="0"/>
+              <a:t>This presentation covers Tkinter and </a:t>
+            </a:r>
+            <a:r>
+              <a:rPr lang="en-US" sz="3600" dirty="0" err="1"/>
+              <a:t>Tkk</a:t>
+            </a:r>
+            <a:r>
+              <a:rPr lang="en-US" sz="3600" dirty="0"/>
+              <a:t> for Python 3</a:t>
+            </a:r>
+          </a:p>
+        </p:txBody>
+      </p:sp>
+    </p:spTree>
+    <p:extLst>
+      <p:ext uri="{BB962C8B-B14F-4D97-AF65-F5344CB8AC3E}">
+        <p14:creationId xmlns:p14="http://schemas.microsoft.com/office/powerpoint/2010/main" val="933210379"/>
+      </p:ext>
+    </p:extLst>
+  </p:cSld>
+  <p:clrMapOvr>
+    <a:masterClrMapping/>
+  </p:clrMapOvr>
+</p:sld>
+</file>
+
+<file path=ppt/slides/slide20.xml><?xml version="1.0" encoding="utf-8"?>
 <p:sld xmlns:a="http://schemas.openxmlformats.org/drawingml/2006/main" xmlns:r="http://schemas.openxmlformats.org/officeDocument/2006/relationships" xmlns:p="http://schemas.openxmlformats.org/presentationml/2006/main">
   <p:cSld>
     <p:bg>
@@ -13591,7 +14290,7 @@
 </p:sld>
 </file>
 
-<file path=ppt/slides/slide17.xml><?xml version="1.0" encoding="utf-8"?>
+<file path=ppt/slides/slide21.xml><?xml version="1.0" encoding="utf-8"?>
 <p:sld xmlns:a="http://schemas.openxmlformats.org/drawingml/2006/main" xmlns:r="http://schemas.openxmlformats.org/officeDocument/2006/relationships" xmlns:p="http://schemas.openxmlformats.org/presentationml/2006/main">
   <p:cSld>
     <p:bg>
@@ -13686,7 +14385,7 @@
 </p:sld>
 </file>
 
-<file path=ppt/slides/slide18.xml><?xml version="1.0" encoding="utf-8"?>
+<file path=ppt/slides/slide22.xml><?xml version="1.0" encoding="utf-8"?>
 <p:sld xmlns:a="http://schemas.openxmlformats.org/drawingml/2006/main" xmlns:r="http://schemas.openxmlformats.org/officeDocument/2006/relationships" xmlns:p="http://schemas.openxmlformats.org/presentationml/2006/main">
   <p:cSld>
     <p:spTree>
@@ -13708,6 +14407,199 @@
           <p:cNvPr id="2" name="Title 1">
             <a:extLst>
               <a:ext uri="{FF2B5EF4-FFF2-40B4-BE49-F238E27FC236}">
+                <a16:creationId xmlns:a16="http://schemas.microsoft.com/office/drawing/2014/main" id="{3130AC39-3705-4DA7-A4E7-1F401CF0544A}"/>
+              </a:ext>
+            </a:extLst>
+          </p:cNvPr>
+          <p:cNvSpPr>
+            <a:spLocks noGrp="1"/>
+          </p:cNvSpPr>
+          <p:nvPr>
+            <p:ph type="title"/>
+          </p:nvPr>
+        </p:nvSpPr>
+        <p:spPr/>
+        <p:txBody>
+          <a:bodyPr/>
+          <a:lstStyle/>
+          <a:p>
+            <a:r>
+              <a:rPr lang="en-US" dirty="0" err="1"/>
+              <a:t>Tkk</a:t>
+            </a:r>
+            <a:r>
+              <a:rPr lang="en-US" dirty="0"/>
+              <a:t> widgets</a:t>
+            </a:r>
+          </a:p>
+        </p:txBody>
+      </p:sp>
+      <p:sp>
+        <p:nvSpPr>
+          <p:cNvPr id="3" name="Content Placeholder 2">
+            <a:extLst>
+              <a:ext uri="{FF2B5EF4-FFF2-40B4-BE49-F238E27FC236}">
+                <a16:creationId xmlns:a16="http://schemas.microsoft.com/office/drawing/2014/main" id="{3C7884AE-20EB-4663-B73E-E8D749F48923}"/>
+              </a:ext>
+            </a:extLst>
+          </p:cNvPr>
+          <p:cNvSpPr>
+            <a:spLocks noGrp="1"/>
+          </p:cNvSpPr>
+          <p:nvPr>
+            <p:ph idx="1"/>
+          </p:nvPr>
+        </p:nvSpPr>
+        <p:spPr/>
+        <p:txBody>
+          <a:bodyPr>
+            <a:normAutofit lnSpcReduction="10000"/>
+          </a:bodyPr>
+          <a:lstStyle/>
+          <a:p>
+            <a:r>
+              <a:rPr lang="en-US" dirty="0" err="1"/>
+              <a:t>Combobox</a:t>
+            </a:r>
+            <a:endParaRPr lang="en-US" dirty="0"/>
+          </a:p>
+          <a:p>
+            <a:r>
+              <a:rPr lang="en-US" dirty="0" err="1"/>
+              <a:t>Spinbox</a:t>
+            </a:r>
+            <a:endParaRPr lang="en-US" dirty="0"/>
+          </a:p>
+          <a:p>
+            <a:r>
+              <a:rPr lang="en-US" dirty="0"/>
+              <a:t>Tabbed Notebook</a:t>
+            </a:r>
+          </a:p>
+          <a:p>
+            <a:r>
+              <a:rPr lang="en-US" b="0" i="0" dirty="0" err="1">
+                <a:solidFill>
+                  <a:srgbClr val="1A1A1A"/>
+                </a:solidFill>
+                <a:effectLst/>
+                <a:latin typeface="Lucida Grande"/>
+              </a:rPr>
+              <a:t>Progressbar</a:t>
+            </a:r>
+            <a:endParaRPr lang="en-US" b="0" i="0" dirty="0">
+              <a:solidFill>
+                <a:srgbClr val="1A1A1A"/>
+              </a:solidFill>
+              <a:effectLst/>
+              <a:latin typeface="Lucida Grande"/>
+            </a:endParaRPr>
+          </a:p>
+          <a:p>
+            <a:r>
+              <a:rPr lang="en-US" dirty="0"/>
+              <a:t>Separator</a:t>
+            </a:r>
+          </a:p>
+          <a:p>
+            <a:r>
+              <a:rPr lang="en-US" dirty="0" err="1"/>
+              <a:t>Sizegrip</a:t>
+            </a:r>
+            <a:endParaRPr lang="en-US" dirty="0"/>
+          </a:p>
+          <a:p>
+            <a:r>
+              <a:rPr lang="en-US" dirty="0" err="1"/>
+              <a:t>Treeview</a:t>
+            </a:r>
+            <a:endParaRPr lang="en-US" dirty="0"/>
+          </a:p>
+          <a:p>
+            <a:r>
+              <a:rPr lang="en-US" dirty="0"/>
+              <a:t>Styles &amp; Themes</a:t>
+            </a:r>
+          </a:p>
+          <a:p>
+            <a:pPr lvl="1"/>
+            <a:r>
+              <a:rPr lang="en-US" dirty="0"/>
+              <a:t>http://tktable.sourceforge.net/tile/tile-tcl2004.pdf</a:t>
+            </a:r>
+          </a:p>
+        </p:txBody>
+      </p:sp>
+      <p:sp>
+        <p:nvSpPr>
+          <p:cNvPr id="4" name="TextBox 3">
+            <a:extLst>
+              <a:ext uri="{FF2B5EF4-FFF2-40B4-BE49-F238E27FC236}">
+                <a16:creationId xmlns:a16="http://schemas.microsoft.com/office/drawing/2014/main" id="{232EAB3E-E230-418B-8267-7A2EFDD94841}"/>
+              </a:ext>
+            </a:extLst>
+          </p:cNvPr>
+          <p:cNvSpPr txBox="1"/>
+          <p:nvPr/>
+        </p:nvSpPr>
+        <p:spPr>
+          <a:xfrm>
+            <a:off x="427839" y="6384022"/>
+            <a:ext cx="7013196" cy="276999"/>
+          </a:xfrm>
+          <a:prstGeom prst="rect">
+            <a:avLst/>
+          </a:prstGeom>
+          <a:noFill/>
+        </p:spPr>
+        <p:txBody>
+          <a:bodyPr wrap="square" rtlCol="0">
+            <a:spAutoFit/>
+          </a:bodyPr>
+          <a:lstStyle/>
+          <a:p>
+            <a:r>
+              <a:rPr lang="en-US" sz="1200" dirty="0"/>
+              <a:t>https://docs.python.org/3/library/tkinter.ttk.html</a:t>
+            </a:r>
+          </a:p>
+        </p:txBody>
+      </p:sp>
+    </p:spTree>
+    <p:extLst>
+      <p:ext uri="{BB962C8B-B14F-4D97-AF65-F5344CB8AC3E}">
+        <p14:creationId xmlns:p14="http://schemas.microsoft.com/office/powerpoint/2010/main" val="399052270"/>
+      </p:ext>
+    </p:extLst>
+  </p:cSld>
+  <p:clrMapOvr>
+    <a:masterClrMapping/>
+  </p:clrMapOvr>
+</p:sld>
+</file>
+
+<file path=ppt/slides/slide23.xml><?xml version="1.0" encoding="utf-8"?>
+<p:sld xmlns:a="http://schemas.openxmlformats.org/drawingml/2006/main" xmlns:r="http://schemas.openxmlformats.org/officeDocument/2006/relationships" xmlns:p="http://schemas.openxmlformats.org/presentationml/2006/main">
+  <p:cSld>
+    <p:spTree>
+      <p:nvGrpSpPr>
+        <p:cNvPr id="1" name=""/>
+        <p:cNvGrpSpPr/>
+        <p:nvPr/>
+      </p:nvGrpSpPr>
+      <p:grpSpPr>
+        <a:xfrm>
+          <a:off x="0" y="0"/>
+          <a:ext cx="0" cy="0"/>
+          <a:chOff x="0" y="0"/>
+          <a:chExt cx="0" cy="0"/>
+        </a:xfrm>
+      </p:grpSpPr>
+      <p:sp>
+        <p:nvSpPr>
+          <p:cNvPr id="2" name="Title 1">
+            <a:extLst>
+              <a:ext uri="{FF2B5EF4-FFF2-40B4-BE49-F238E27FC236}">
                 <a16:creationId xmlns:a16="http://schemas.microsoft.com/office/drawing/2014/main" id="{E0FDC54B-5C0A-43E6-A612-49F507F4A63F}"/>
               </a:ext>
             </a:extLst>
@@ -13726,12 +14618,8 @@
           <a:p>
             <a:pPr algn="ctr"/>
             <a:r>
-              <a:rPr lang="en-US" dirty="0" err="1"/>
-              <a:t>Tkinter</a:t>
-            </a:r>
-            <a:r>
               <a:rPr lang="en-US" dirty="0"/>
-              <a:t> as a Class</a:t>
+              <a:t>Tkinter as a Class</a:t>
             </a:r>
           </a:p>
         </p:txBody>
@@ -13814,7 +14702,7 @@
 </p:sld>
 </file>
 
-<file path=ppt/slides/slide19.xml><?xml version="1.0" encoding="utf-8"?>
+<file path=ppt/slides/slide24.xml><?xml version="1.0" encoding="utf-8"?>
 <p:sld xmlns:a="http://schemas.openxmlformats.org/drawingml/2006/main" xmlns:r="http://schemas.openxmlformats.org/officeDocument/2006/relationships" xmlns:p="http://schemas.openxmlformats.org/presentationml/2006/main">
   <p:cSld>
     <p:spTree>
@@ -13836,7 +14724,7 @@
           <p:cNvPr id="2" name="Title 1">
             <a:extLst>
               <a:ext uri="{FF2B5EF4-FFF2-40B4-BE49-F238E27FC236}">
-                <a16:creationId xmlns:a16="http://schemas.microsoft.com/office/drawing/2014/main" id="{72701176-CE2D-41C9-8FAB-98255A39DA62}"/>
+                <a16:creationId xmlns:a16="http://schemas.microsoft.com/office/drawing/2014/main" id="{E3E2145D-EFB6-4133-AEC6-79D21D7B6CDF}"/>
               </a:ext>
             </a:extLst>
           </p:cNvPr>
@@ -13855,7 +14743,7 @@
             <a:pPr algn="ctr"/>
             <a:r>
               <a:rPr lang="en-US" dirty="0"/>
-              <a:t>References and Tutorials</a:t>
+              <a:t>Var Classes</a:t>
             </a:r>
           </a:p>
         </p:txBody>
@@ -13865,7 +14753,7 @@
           <p:cNvPr id="3" name="Content Placeholder 2">
             <a:extLst>
               <a:ext uri="{FF2B5EF4-FFF2-40B4-BE49-F238E27FC236}">
-                <a16:creationId xmlns:a16="http://schemas.microsoft.com/office/drawing/2014/main" id="{69DC4D5A-03E2-4824-879B-91A0808A0AFE}"/>
+                <a16:creationId xmlns:a16="http://schemas.microsoft.com/office/drawing/2014/main" id="{A3862EB7-A6FF-4D35-BF29-263451819C33}"/>
               </a:ext>
             </a:extLst>
           </p:cNvPr>
@@ -13876,31 +14764,116 @@
             <p:ph idx="1"/>
           </p:nvPr>
         </p:nvSpPr>
-        <p:spPr/>
+        <p:spPr>
+          <a:xfrm>
+            <a:off x="1154954" y="2603500"/>
+            <a:ext cx="2455993" cy="3416300"/>
+          </a:xfrm>
+        </p:spPr>
         <p:txBody>
           <a:bodyPr/>
           <a:lstStyle/>
           <a:p>
             <a:r>
-              <a:rPr lang="en-US" dirty="0">
-                <a:hlinkClick r:id="rId2"/>
-              </a:rPr>
-              <a:t>https://www.tutorialspoint.com/python3/python_gui_programming.htm</a:t>
+              <a:rPr lang="en-US" dirty="0" err="1"/>
+              <a:t>IntVar</a:t>
             </a:r>
             <a:endParaRPr lang="en-US" dirty="0"/>
           </a:p>
           <a:p>
             <a:r>
-              <a:rPr lang="en-US" dirty="0"/>
-              <a:t>https://docs.python.org/3/library/tkinter.html#a-simple-hello-world-program</a:t>
-            </a:r>
+              <a:rPr lang="en-US" dirty="0" err="1"/>
+              <a:t>StringVar</a:t>
+            </a:r>
+            <a:endParaRPr lang="en-US" dirty="0"/>
+          </a:p>
+          <a:p>
+            <a:r>
+              <a:rPr lang="en-US" dirty="0" err="1"/>
+              <a:t>BooleanVar</a:t>
+            </a:r>
+            <a:endParaRPr lang="en-US" dirty="0"/>
+          </a:p>
+          <a:p>
+            <a:r>
+              <a:rPr lang="en-US" dirty="0" err="1"/>
+              <a:t>FloatVar</a:t>
+            </a:r>
+            <a:endParaRPr lang="en-US" dirty="0"/>
+          </a:p>
+          <a:p>
+            <a:r>
+              <a:rPr lang="en-US" dirty="0" err="1"/>
+              <a:t>DoubleVar</a:t>
+            </a:r>
+            <a:endParaRPr lang="en-US" dirty="0"/>
           </a:p>
         </p:txBody>
       </p:sp>
+      <p:pic>
+        <p:nvPicPr>
+          <p:cNvPr id="5" name="Picture 4">
+            <a:extLst>
+              <a:ext uri="{FF2B5EF4-FFF2-40B4-BE49-F238E27FC236}">
+                <a16:creationId xmlns:a16="http://schemas.microsoft.com/office/drawing/2014/main" id="{E8FA279B-4FA6-48E2-8DB4-BF0BC8120529}"/>
+              </a:ext>
+            </a:extLst>
+          </p:cNvPr>
+          <p:cNvPicPr>
+            <a:picLocks noChangeAspect="1"/>
+          </p:cNvPicPr>
+          <p:nvPr/>
+        </p:nvPicPr>
+        <p:blipFill>
+          <a:blip r:embed="rId2"/>
+          <a:stretch>
+            <a:fillRect/>
+          </a:stretch>
+        </p:blipFill>
+        <p:spPr>
+          <a:xfrm>
+            <a:off x="3610947" y="2262674"/>
+            <a:ext cx="3704074" cy="4250093"/>
+          </a:xfrm>
+          <a:prstGeom prst="rect">
+            <a:avLst/>
+          </a:prstGeom>
+        </p:spPr>
+      </p:pic>
+      <p:pic>
+        <p:nvPicPr>
+          <p:cNvPr id="7" name="Picture 6">
+            <a:extLst>
+              <a:ext uri="{FF2B5EF4-FFF2-40B4-BE49-F238E27FC236}">
+                <a16:creationId xmlns:a16="http://schemas.microsoft.com/office/drawing/2014/main" id="{873EA2AF-BB26-4D14-A5CF-8962598BF755}"/>
+              </a:ext>
+            </a:extLst>
+          </p:cNvPr>
+          <p:cNvPicPr>
+            <a:picLocks noChangeAspect="1"/>
+          </p:cNvPicPr>
+          <p:nvPr/>
+        </p:nvPicPr>
+        <p:blipFill>
+          <a:blip r:embed="rId3"/>
+          <a:stretch>
+            <a:fillRect/>
+          </a:stretch>
+        </p:blipFill>
+        <p:spPr>
+          <a:xfrm>
+            <a:off x="7909201" y="2501900"/>
+            <a:ext cx="3286125" cy="3619500"/>
+          </a:xfrm>
+          <a:prstGeom prst="rect">
+            <a:avLst/>
+          </a:prstGeom>
+        </p:spPr>
+      </p:pic>
     </p:spTree>
     <p:extLst>
       <p:ext uri="{BB962C8B-B14F-4D97-AF65-F5344CB8AC3E}">
-        <p14:creationId xmlns:p14="http://schemas.microsoft.com/office/powerpoint/2010/main" val="668266022"/>
+        <p14:creationId xmlns:p14="http://schemas.microsoft.com/office/powerpoint/2010/main" val="2460108112"/>
       </p:ext>
     </p:extLst>
   </p:cSld>
@@ -13910,7 +14883,7 @@
 </p:sld>
 </file>
 
-<file path=ppt/slides/slide2.xml><?xml version="1.0" encoding="utf-8"?>
+<file path=ppt/slides/slide25.xml><?xml version="1.0" encoding="utf-8"?>
 <p:sld xmlns:a="http://schemas.openxmlformats.org/drawingml/2006/main" xmlns:r="http://schemas.openxmlformats.org/officeDocument/2006/relationships" xmlns:p="http://schemas.openxmlformats.org/presentationml/2006/main">
   <p:cSld>
     <p:spTree>
@@ -13932,7 +14905,7 @@
           <p:cNvPr id="2" name="Title 1">
             <a:extLst>
               <a:ext uri="{FF2B5EF4-FFF2-40B4-BE49-F238E27FC236}">
-                <a16:creationId xmlns:a16="http://schemas.microsoft.com/office/drawing/2014/main" id="{C6062246-B4DD-4D59-85C9-E59ECEC0341F}"/>
+                <a16:creationId xmlns:a16="http://schemas.microsoft.com/office/drawing/2014/main" id="{B52AC89C-7D7D-4D88-9CD2-7CC54ACC2D1F}"/>
               </a:ext>
             </a:extLst>
           </p:cNvPr>
@@ -13951,17 +14924,196 @@
             <a:pPr algn="ctr"/>
             <a:r>
               <a:rPr lang="en-US" dirty="0"/>
-              <a:t>Disclaimer</a:t>
+              <a:t>How to Respond to a Widget</a:t>
             </a:r>
           </a:p>
         </p:txBody>
       </p:sp>
-      <p:sp>
-        <p:nvSpPr>
-          <p:cNvPr id="3" name="TextBox 2">
+      <p:pic>
+        <p:nvPicPr>
+          <p:cNvPr id="5" name="Picture 4">
             <a:extLst>
               <a:ext uri="{FF2B5EF4-FFF2-40B4-BE49-F238E27FC236}">
-                <a16:creationId xmlns:a16="http://schemas.microsoft.com/office/drawing/2014/main" id="{32CB9432-9EAE-4A6E-905A-5CAAF560FDA3}"/>
+                <a16:creationId xmlns:a16="http://schemas.microsoft.com/office/drawing/2014/main" id="{F3550D15-A400-4BDB-B36B-4875ADF03638}"/>
+              </a:ext>
+            </a:extLst>
+          </p:cNvPr>
+          <p:cNvPicPr>
+            <a:picLocks noChangeAspect="1"/>
+          </p:cNvPicPr>
+          <p:nvPr/>
+        </p:nvPicPr>
+        <p:blipFill>
+          <a:blip r:embed="rId2"/>
+          <a:stretch>
+            <a:fillRect/>
+          </a:stretch>
+        </p:blipFill>
+        <p:spPr>
+          <a:xfrm>
+            <a:off x="1986741" y="2402729"/>
+            <a:ext cx="2175902" cy="4110038"/>
+          </a:xfrm>
+          <a:prstGeom prst="rect">
+            <a:avLst/>
+          </a:prstGeom>
+        </p:spPr>
+      </p:pic>
+      <p:pic>
+        <p:nvPicPr>
+          <p:cNvPr id="7" name="Picture 6">
+            <a:extLst>
+              <a:ext uri="{FF2B5EF4-FFF2-40B4-BE49-F238E27FC236}">
+                <a16:creationId xmlns:a16="http://schemas.microsoft.com/office/drawing/2014/main" id="{27A3A176-EEE5-4142-8327-0C93A78C5415}"/>
+              </a:ext>
+            </a:extLst>
+          </p:cNvPr>
+          <p:cNvPicPr>
+            <a:picLocks noChangeAspect="1"/>
+          </p:cNvPicPr>
+          <p:nvPr/>
+        </p:nvPicPr>
+        <p:blipFill>
+          <a:blip r:embed="rId3"/>
+          <a:stretch>
+            <a:fillRect/>
+          </a:stretch>
+        </p:blipFill>
+        <p:spPr>
+          <a:xfrm>
+            <a:off x="5728231" y="2563104"/>
+            <a:ext cx="3292125" cy="3621338"/>
+          </a:xfrm>
+          <a:prstGeom prst="rect">
+            <a:avLst/>
+          </a:prstGeom>
+        </p:spPr>
+      </p:pic>
+    </p:spTree>
+    <p:extLst>
+      <p:ext uri="{BB962C8B-B14F-4D97-AF65-F5344CB8AC3E}">
+        <p14:creationId xmlns:p14="http://schemas.microsoft.com/office/powerpoint/2010/main" val="2045072007"/>
+      </p:ext>
+    </p:extLst>
+  </p:cSld>
+  <p:clrMapOvr>
+    <a:masterClrMapping/>
+  </p:clrMapOvr>
+</p:sld>
+</file>
+
+<file path=ppt/slides/slide26.xml><?xml version="1.0" encoding="utf-8"?>
+<p:sld xmlns:a="http://schemas.openxmlformats.org/drawingml/2006/main" xmlns:r="http://schemas.openxmlformats.org/officeDocument/2006/relationships" xmlns:p="http://schemas.openxmlformats.org/presentationml/2006/main">
+  <p:cSld>
+    <p:spTree>
+      <p:nvGrpSpPr>
+        <p:cNvPr id="1" name=""/>
+        <p:cNvGrpSpPr/>
+        <p:nvPr/>
+      </p:nvGrpSpPr>
+      <p:grpSpPr>
+        <a:xfrm>
+          <a:off x="0" y="0"/>
+          <a:ext cx="0" cy="0"/>
+          <a:chOff x="0" y="0"/>
+          <a:chExt cx="0" cy="0"/>
+        </a:xfrm>
+      </p:grpSpPr>
+      <p:sp>
+        <p:nvSpPr>
+          <p:cNvPr id="2" name="Title 1">
+            <a:extLst>
+              <a:ext uri="{FF2B5EF4-FFF2-40B4-BE49-F238E27FC236}">
+                <a16:creationId xmlns:a16="http://schemas.microsoft.com/office/drawing/2014/main" id="{08E7D634-4CA4-40B5-8068-8B02577338DD}"/>
+              </a:ext>
+            </a:extLst>
+          </p:cNvPr>
+          <p:cNvSpPr>
+            <a:spLocks noGrp="1"/>
+          </p:cNvSpPr>
+          <p:nvPr>
+            <p:ph type="title"/>
+          </p:nvPr>
+        </p:nvSpPr>
+        <p:spPr/>
+        <p:txBody>
+          <a:bodyPr/>
+          <a:lstStyle/>
+          <a:p>
+            <a:pPr algn="ctr"/>
+            <a:r>
+              <a:rPr lang="en-US" dirty="0"/>
+              <a:t>Event Handling</a:t>
+            </a:r>
+          </a:p>
+        </p:txBody>
+      </p:sp>
+      <p:pic>
+        <p:nvPicPr>
+          <p:cNvPr id="5" name="Picture 4">
+            <a:extLst>
+              <a:ext uri="{FF2B5EF4-FFF2-40B4-BE49-F238E27FC236}">
+                <a16:creationId xmlns:a16="http://schemas.microsoft.com/office/drawing/2014/main" id="{ED289736-561A-4057-8FD9-6B82B3EC3FB8}"/>
+              </a:ext>
+            </a:extLst>
+          </p:cNvPr>
+          <p:cNvPicPr>
+            <a:picLocks noChangeAspect="1"/>
+          </p:cNvPicPr>
+          <p:nvPr/>
+        </p:nvPicPr>
+        <p:blipFill>
+          <a:blip r:embed="rId2"/>
+          <a:stretch>
+            <a:fillRect/>
+          </a:stretch>
+        </p:blipFill>
+        <p:spPr>
+          <a:xfrm>
+            <a:off x="6466842" y="2925740"/>
+            <a:ext cx="3371850" cy="1990725"/>
+          </a:xfrm>
+          <a:prstGeom prst="rect">
+            <a:avLst/>
+          </a:prstGeom>
+        </p:spPr>
+      </p:pic>
+      <p:pic>
+        <p:nvPicPr>
+          <p:cNvPr id="7" name="Picture 6">
+            <a:extLst>
+              <a:ext uri="{FF2B5EF4-FFF2-40B4-BE49-F238E27FC236}">
+                <a16:creationId xmlns:a16="http://schemas.microsoft.com/office/drawing/2014/main" id="{41006095-CFCB-47B9-A615-2C4EDF533831}"/>
+              </a:ext>
+            </a:extLst>
+          </p:cNvPr>
+          <p:cNvPicPr>
+            <a:picLocks noChangeAspect="1"/>
+          </p:cNvPicPr>
+          <p:nvPr/>
+        </p:nvPicPr>
+        <p:blipFill>
+          <a:blip r:embed="rId3"/>
+          <a:stretch>
+            <a:fillRect/>
+          </a:stretch>
+        </p:blipFill>
+        <p:spPr>
+          <a:xfrm>
+            <a:off x="755473" y="3048529"/>
+            <a:ext cx="5172075" cy="1438275"/>
+          </a:xfrm>
+          <a:prstGeom prst="rect">
+            <a:avLst/>
+          </a:prstGeom>
+        </p:spPr>
+      </p:pic>
+      <p:sp>
+        <p:nvSpPr>
+          <p:cNvPr id="8" name="TextBox 7">
+            <a:extLst>
+              <a:ext uri="{FF2B5EF4-FFF2-40B4-BE49-F238E27FC236}">
+                <a16:creationId xmlns:a16="http://schemas.microsoft.com/office/drawing/2014/main" id="{57424864-B0F2-4914-9CAE-1788375F6C28}"/>
               </a:ext>
             </a:extLst>
           </p:cNvPr>
@@ -13970,8 +15122,8 @@
         </p:nvSpPr>
         <p:spPr>
           <a:xfrm>
-            <a:off x="2374085" y="3429000"/>
-            <a:ext cx="6148008" cy="1200329"/>
+            <a:off x="270586" y="6486588"/>
+            <a:ext cx="4805266" cy="246221"/>
           </a:xfrm>
           <a:prstGeom prst="rect">
             <a:avLst/>
@@ -13985,24 +15137,8 @@
           <a:lstStyle/>
           <a:p>
             <a:r>
-              <a:rPr lang="en-US" sz="3600" dirty="0"/>
-              <a:t>This presentation covers </a:t>
-            </a:r>
-            <a:r>
-              <a:rPr lang="en-US" sz="3600" dirty="0" err="1"/>
-              <a:t>Tkinter</a:t>
-            </a:r>
-            <a:r>
-              <a:rPr lang="en-US" sz="3600" dirty="0"/>
-              <a:t> and </a:t>
-            </a:r>
-            <a:r>
-              <a:rPr lang="en-US" sz="3600" dirty="0" err="1"/>
-              <a:t>Tkk</a:t>
-            </a:r>
-            <a:r>
-              <a:rPr lang="en-US" sz="3600" dirty="0"/>
-              <a:t> for Python 3</a:t>
+              <a:rPr lang="en-US" sz="1000" dirty="0"/>
+              <a:t>https://effbot.org/tkinterbook/tkinter-events-and-bindings.htm</a:t>
             </a:r>
           </a:p>
         </p:txBody>
@@ -14010,7 +15146,7 @@
     </p:spTree>
     <p:extLst>
       <p:ext uri="{BB962C8B-B14F-4D97-AF65-F5344CB8AC3E}">
-        <p14:creationId xmlns:p14="http://schemas.microsoft.com/office/powerpoint/2010/main" val="933210379"/>
+        <p14:creationId xmlns:p14="http://schemas.microsoft.com/office/powerpoint/2010/main" val="3007132729"/>
       </p:ext>
     </p:extLst>
   </p:cSld>
@@ -14020,7 +15156,502 @@
 </p:sld>
 </file>
 
-<file path=ppt/slides/slide20.xml><?xml version="1.0" encoding="utf-8"?>
+<file path=ppt/slides/slide27.xml><?xml version="1.0" encoding="utf-8"?>
+<p:sld xmlns:a="http://schemas.openxmlformats.org/drawingml/2006/main" xmlns:r="http://schemas.openxmlformats.org/officeDocument/2006/relationships" xmlns:p="http://schemas.openxmlformats.org/presentationml/2006/main">
+  <p:cSld>
+    <p:spTree>
+      <p:nvGrpSpPr>
+        <p:cNvPr id="1" name=""/>
+        <p:cNvGrpSpPr/>
+        <p:nvPr/>
+      </p:nvGrpSpPr>
+      <p:grpSpPr>
+        <a:xfrm>
+          <a:off x="0" y="0"/>
+          <a:ext cx="0" cy="0"/>
+          <a:chOff x="0" y="0"/>
+          <a:chExt cx="0" cy="0"/>
+        </a:xfrm>
+      </p:grpSpPr>
+      <p:sp>
+        <p:nvSpPr>
+          <p:cNvPr id="2" name="Title 1">
+            <a:extLst>
+              <a:ext uri="{FF2B5EF4-FFF2-40B4-BE49-F238E27FC236}">
+                <a16:creationId xmlns:a16="http://schemas.microsoft.com/office/drawing/2014/main" id="{AA873FC8-7378-47DD-B33B-12E754019DF0}"/>
+              </a:ext>
+            </a:extLst>
+          </p:cNvPr>
+          <p:cNvSpPr>
+            <a:spLocks noGrp="1"/>
+          </p:cNvSpPr>
+          <p:nvPr>
+            <p:ph type="title"/>
+          </p:nvPr>
+        </p:nvSpPr>
+        <p:spPr/>
+        <p:txBody>
+          <a:bodyPr/>
+          <a:lstStyle/>
+          <a:p>
+            <a:pPr algn="ctr"/>
+            <a:r>
+              <a:rPr lang="en-US" dirty="0"/>
+              <a:t>Event Handling</a:t>
+            </a:r>
+          </a:p>
+        </p:txBody>
+      </p:sp>
+      <p:sp>
+        <p:nvSpPr>
+          <p:cNvPr id="7" name="TextBox 6">
+            <a:extLst>
+              <a:ext uri="{FF2B5EF4-FFF2-40B4-BE49-F238E27FC236}">
+                <a16:creationId xmlns:a16="http://schemas.microsoft.com/office/drawing/2014/main" id="{216D73C3-D0E5-4093-8342-00CBBEFE30C0}"/>
+              </a:ext>
+            </a:extLst>
+          </p:cNvPr>
+          <p:cNvSpPr txBox="1"/>
+          <p:nvPr/>
+        </p:nvSpPr>
+        <p:spPr>
+          <a:xfrm>
+            <a:off x="1154954" y="2385296"/>
+            <a:ext cx="9184664" cy="3970318"/>
+          </a:xfrm>
+          <a:prstGeom prst="rect">
+            <a:avLst/>
+          </a:prstGeom>
+          <a:noFill/>
+        </p:spPr>
+        <p:txBody>
+          <a:bodyPr wrap="square" rtlCol="0">
+            <a:spAutoFit/>
+          </a:bodyPr>
+          <a:lstStyle/>
+          <a:p>
+            <a:r>
+              <a:rPr lang="en-US" b="1" i="0" dirty="0" err="1">
+                <a:solidFill>
+                  <a:srgbClr val="000000"/>
+                </a:solidFill>
+                <a:effectLst/>
+                <a:latin typeface="Arial" panose="020B0604020202020204" pitchFamily="34" charset="0"/>
+              </a:rPr>
+              <a:t>KeyPress</a:t>
+            </a:r>
+            <a:r>
+              <a:rPr lang="en-US" b="0" i="0" dirty="0">
+                <a:solidFill>
+                  <a:srgbClr val="000000"/>
+                </a:solidFill>
+                <a:effectLst/>
+                <a:latin typeface="Arial" panose="020B0604020202020204" pitchFamily="34" charset="0"/>
+              </a:rPr>
+              <a:t> : Activated when a keyboard button has been pressed, the </a:t>
+            </a:r>
+            <a:r>
+              <a:rPr lang="en-US" b="1" i="0" dirty="0">
+                <a:solidFill>
+                  <a:srgbClr val="000000"/>
+                </a:solidFill>
+                <a:effectLst/>
+                <a:latin typeface="Arial" panose="020B0604020202020204" pitchFamily="34" charset="0"/>
+              </a:rPr>
+              <a:t>Key</a:t>
+            </a:r>
+            <a:r>
+              <a:rPr lang="en-US" b="0" i="0" dirty="0">
+                <a:solidFill>
+                  <a:srgbClr val="000000"/>
+                </a:solidFill>
+                <a:effectLst/>
+                <a:latin typeface="Arial" panose="020B0604020202020204" pitchFamily="34" charset="0"/>
+              </a:rPr>
+              <a:t> event can also be used for this.</a:t>
+            </a:r>
+            <a:br>
+              <a:rPr lang="en-US" dirty="0"/>
+            </a:br>
+            <a:r>
+              <a:rPr lang="en-US" b="1" i="0" dirty="0" err="1">
+                <a:solidFill>
+                  <a:srgbClr val="000000"/>
+                </a:solidFill>
+                <a:effectLst/>
+                <a:latin typeface="Arial" panose="020B0604020202020204" pitchFamily="34" charset="0"/>
+              </a:rPr>
+              <a:t>KeyRelease</a:t>
+            </a:r>
+            <a:r>
+              <a:rPr lang="en-US" b="0" i="0" dirty="0">
+                <a:solidFill>
+                  <a:srgbClr val="000000"/>
+                </a:solidFill>
+                <a:effectLst/>
+                <a:latin typeface="Arial" panose="020B0604020202020204" pitchFamily="34" charset="0"/>
+              </a:rPr>
+              <a:t> : Activated when a keyboard button is released.</a:t>
+            </a:r>
+            <a:br>
+              <a:rPr lang="en-US" dirty="0"/>
+            </a:br>
+            <a:r>
+              <a:rPr lang="en-US" b="1" i="0" dirty="0">
+                <a:solidFill>
+                  <a:srgbClr val="000000"/>
+                </a:solidFill>
+                <a:effectLst/>
+                <a:latin typeface="Arial" panose="020B0604020202020204" pitchFamily="34" charset="0"/>
+              </a:rPr>
+              <a:t>Button</a:t>
+            </a:r>
+            <a:r>
+              <a:rPr lang="en-US" b="0" i="0" dirty="0">
+                <a:solidFill>
+                  <a:srgbClr val="000000"/>
+                </a:solidFill>
+                <a:effectLst/>
+                <a:latin typeface="Arial" panose="020B0604020202020204" pitchFamily="34" charset="0"/>
+              </a:rPr>
+              <a:t> : Activated when a mouse button has been clicked.</a:t>
+            </a:r>
+            <a:br>
+              <a:rPr lang="en-US" dirty="0"/>
+            </a:br>
+            <a:r>
+              <a:rPr lang="en-US" b="1" i="0" dirty="0" err="1">
+                <a:solidFill>
+                  <a:srgbClr val="000000"/>
+                </a:solidFill>
+                <a:effectLst/>
+                <a:latin typeface="Arial" panose="020B0604020202020204" pitchFamily="34" charset="0"/>
+              </a:rPr>
+              <a:t>ButtonRelease</a:t>
+            </a:r>
+            <a:r>
+              <a:rPr lang="en-US" b="0" i="0" dirty="0">
+                <a:solidFill>
+                  <a:srgbClr val="000000"/>
+                </a:solidFill>
+                <a:effectLst/>
+                <a:latin typeface="Arial" panose="020B0604020202020204" pitchFamily="34" charset="0"/>
+              </a:rPr>
+              <a:t> : Activated when a mouse button has been released.</a:t>
+            </a:r>
+            <a:br>
+              <a:rPr lang="en-US" dirty="0"/>
+            </a:br>
+            <a:r>
+              <a:rPr lang="en-US" b="1" i="0" dirty="0">
+                <a:solidFill>
+                  <a:srgbClr val="000000"/>
+                </a:solidFill>
+                <a:effectLst/>
+                <a:latin typeface="Arial" panose="020B0604020202020204" pitchFamily="34" charset="0"/>
+              </a:rPr>
+              <a:t>Motion</a:t>
+            </a:r>
+            <a:r>
+              <a:rPr lang="en-US" b="0" i="0" dirty="0">
+                <a:solidFill>
+                  <a:srgbClr val="000000"/>
+                </a:solidFill>
+                <a:effectLst/>
+                <a:latin typeface="Arial" panose="020B0604020202020204" pitchFamily="34" charset="0"/>
+              </a:rPr>
+              <a:t> : Activated when the mouse cursor moves across the designated widget.</a:t>
+            </a:r>
+            <a:br>
+              <a:rPr lang="en-US" dirty="0"/>
+            </a:br>
+            <a:r>
+              <a:rPr lang="en-US" b="1" i="0" dirty="0">
+                <a:solidFill>
+                  <a:srgbClr val="000000"/>
+                </a:solidFill>
+                <a:effectLst/>
+                <a:latin typeface="Arial" panose="020B0604020202020204" pitchFamily="34" charset="0"/>
+              </a:rPr>
+              <a:t>Enter</a:t>
+            </a:r>
+            <a:r>
+              <a:rPr lang="en-US" b="0" i="0" dirty="0">
+                <a:solidFill>
+                  <a:srgbClr val="000000"/>
+                </a:solidFill>
+                <a:effectLst/>
+                <a:latin typeface="Arial" panose="020B0604020202020204" pitchFamily="34" charset="0"/>
+              </a:rPr>
+              <a:t> : Activated when the mouse cursor enters the designated widget.</a:t>
+            </a:r>
+            <a:br>
+              <a:rPr lang="en-US" dirty="0"/>
+            </a:br>
+            <a:r>
+              <a:rPr lang="en-US" b="1" i="0" dirty="0">
+                <a:solidFill>
+                  <a:srgbClr val="000000"/>
+                </a:solidFill>
+                <a:effectLst/>
+                <a:latin typeface="Arial" panose="020B0604020202020204" pitchFamily="34" charset="0"/>
+              </a:rPr>
+              <a:t>Leave</a:t>
+            </a:r>
+            <a:r>
+              <a:rPr lang="en-US" b="0" i="0" dirty="0">
+                <a:solidFill>
+                  <a:srgbClr val="000000"/>
+                </a:solidFill>
+                <a:effectLst/>
+                <a:latin typeface="Arial" panose="020B0604020202020204" pitchFamily="34" charset="0"/>
+              </a:rPr>
+              <a:t> : Activated when the mouse cursor leaves the designated widget.</a:t>
+            </a:r>
+            <a:br>
+              <a:rPr lang="en-US" dirty="0"/>
+            </a:br>
+            <a:r>
+              <a:rPr lang="en-US" b="1" i="0" dirty="0" err="1">
+                <a:solidFill>
+                  <a:srgbClr val="000000"/>
+                </a:solidFill>
+                <a:effectLst/>
+                <a:latin typeface="Arial" panose="020B0604020202020204" pitchFamily="34" charset="0"/>
+              </a:rPr>
+              <a:t>MouseWheel</a:t>
+            </a:r>
+            <a:r>
+              <a:rPr lang="en-US" b="0" i="0" dirty="0">
+                <a:solidFill>
+                  <a:srgbClr val="000000"/>
+                </a:solidFill>
+                <a:effectLst/>
+                <a:latin typeface="Arial" panose="020B0604020202020204" pitchFamily="34" charset="0"/>
+              </a:rPr>
+              <a:t> : Activated when the mouse wheel is scrolled.</a:t>
+            </a:r>
+            <a:br>
+              <a:rPr lang="en-US" dirty="0"/>
+            </a:br>
+            <a:r>
+              <a:rPr lang="en-US" b="1" i="0" dirty="0" err="1">
+                <a:solidFill>
+                  <a:srgbClr val="000000"/>
+                </a:solidFill>
+                <a:effectLst/>
+                <a:latin typeface="Arial" panose="020B0604020202020204" pitchFamily="34" charset="0"/>
+              </a:rPr>
+              <a:t>FocusIn</a:t>
+            </a:r>
+            <a:r>
+              <a:rPr lang="en-US" b="0" i="0" dirty="0">
+                <a:solidFill>
+                  <a:srgbClr val="000000"/>
+                </a:solidFill>
+                <a:effectLst/>
+                <a:latin typeface="Arial" panose="020B0604020202020204" pitchFamily="34" charset="0"/>
+              </a:rPr>
+              <a:t> : Activated when the designated widget gains focus through user input such as the mouse clicking on it.</a:t>
+            </a:r>
+            <a:br>
+              <a:rPr lang="en-US" dirty="0"/>
+            </a:br>
+            <a:r>
+              <a:rPr lang="en-US" b="1" i="0" dirty="0" err="1">
+                <a:solidFill>
+                  <a:srgbClr val="000000"/>
+                </a:solidFill>
+                <a:effectLst/>
+                <a:latin typeface="Arial" panose="020B0604020202020204" pitchFamily="34" charset="0"/>
+              </a:rPr>
+              <a:t>FocusOut</a:t>
+            </a:r>
+            <a:r>
+              <a:rPr lang="en-US" b="0" i="0" dirty="0">
+                <a:solidFill>
+                  <a:srgbClr val="000000"/>
+                </a:solidFill>
+                <a:effectLst/>
+                <a:latin typeface="Arial" panose="020B0604020202020204" pitchFamily="34" charset="0"/>
+              </a:rPr>
+              <a:t> : Activated when the designated widget loses focus.</a:t>
+            </a:r>
+            <a:br>
+              <a:rPr lang="en-US" dirty="0"/>
+            </a:br>
+            <a:r>
+              <a:rPr lang="en-US" b="1" i="0" dirty="0">
+                <a:solidFill>
+                  <a:srgbClr val="000000"/>
+                </a:solidFill>
+                <a:effectLst/>
+                <a:latin typeface="Arial" panose="020B0604020202020204" pitchFamily="34" charset="0"/>
+              </a:rPr>
+              <a:t>Configure</a:t>
+            </a:r>
+            <a:r>
+              <a:rPr lang="en-US" b="0" i="0" dirty="0">
+                <a:solidFill>
+                  <a:srgbClr val="000000"/>
+                </a:solidFill>
+                <a:effectLst/>
+                <a:latin typeface="Arial" panose="020B0604020202020204" pitchFamily="34" charset="0"/>
+              </a:rPr>
+              <a:t> : Activated when the designated widget's configurations have changes such as its width being adjusted by the user or its border being adjusted.</a:t>
+            </a:r>
+            <a:endParaRPr lang="en-US" dirty="0"/>
+          </a:p>
+        </p:txBody>
+      </p:sp>
+      <p:sp>
+        <p:nvSpPr>
+          <p:cNvPr id="8" name="TextBox 7">
+            <a:extLst>
+              <a:ext uri="{FF2B5EF4-FFF2-40B4-BE49-F238E27FC236}">
+                <a16:creationId xmlns:a16="http://schemas.microsoft.com/office/drawing/2014/main" id="{97D16B27-53D3-4038-AA94-4C888D42F5D7}"/>
+              </a:ext>
+            </a:extLst>
+          </p:cNvPr>
+          <p:cNvSpPr txBox="1"/>
+          <p:nvPr/>
+        </p:nvSpPr>
+        <p:spPr>
+          <a:xfrm>
+            <a:off x="410087" y="6486243"/>
+            <a:ext cx="6107288" cy="246221"/>
+          </a:xfrm>
+          <a:prstGeom prst="rect">
+            <a:avLst/>
+          </a:prstGeom>
+          <a:noFill/>
+        </p:spPr>
+        <p:txBody>
+          <a:bodyPr wrap="square" rtlCol="0">
+            <a:spAutoFit/>
+          </a:bodyPr>
+          <a:lstStyle/>
+          <a:p>
+            <a:r>
+              <a:rPr lang="en-US" sz="1000" dirty="0"/>
+              <a:t>https://pythonprogramming.net/tkinter-tutorial-python-3-event-handling/</a:t>
+            </a:r>
+          </a:p>
+        </p:txBody>
+      </p:sp>
+    </p:spTree>
+    <p:extLst>
+      <p:ext uri="{BB962C8B-B14F-4D97-AF65-F5344CB8AC3E}">
+        <p14:creationId xmlns:p14="http://schemas.microsoft.com/office/powerpoint/2010/main" val="3836744528"/>
+      </p:ext>
+    </p:extLst>
+  </p:cSld>
+  <p:clrMapOvr>
+    <a:masterClrMapping/>
+  </p:clrMapOvr>
+</p:sld>
+</file>
+
+<file path=ppt/slides/slide28.xml><?xml version="1.0" encoding="utf-8"?>
+<p:sld xmlns:a="http://schemas.openxmlformats.org/drawingml/2006/main" xmlns:r="http://schemas.openxmlformats.org/officeDocument/2006/relationships" xmlns:p="http://schemas.openxmlformats.org/presentationml/2006/main">
+  <p:cSld>
+    <p:spTree>
+      <p:nvGrpSpPr>
+        <p:cNvPr id="1" name=""/>
+        <p:cNvGrpSpPr/>
+        <p:nvPr/>
+      </p:nvGrpSpPr>
+      <p:grpSpPr>
+        <a:xfrm>
+          <a:off x="0" y="0"/>
+          <a:ext cx="0" cy="0"/>
+          <a:chOff x="0" y="0"/>
+          <a:chExt cx="0" cy="0"/>
+        </a:xfrm>
+      </p:grpSpPr>
+      <p:sp>
+        <p:nvSpPr>
+          <p:cNvPr id="2" name="Title 1">
+            <a:extLst>
+              <a:ext uri="{FF2B5EF4-FFF2-40B4-BE49-F238E27FC236}">
+                <a16:creationId xmlns:a16="http://schemas.microsoft.com/office/drawing/2014/main" id="{72701176-CE2D-41C9-8FAB-98255A39DA62}"/>
+              </a:ext>
+            </a:extLst>
+          </p:cNvPr>
+          <p:cNvSpPr>
+            <a:spLocks noGrp="1"/>
+          </p:cNvSpPr>
+          <p:nvPr>
+            <p:ph type="title"/>
+          </p:nvPr>
+        </p:nvSpPr>
+        <p:spPr/>
+        <p:txBody>
+          <a:bodyPr/>
+          <a:lstStyle/>
+          <a:p>
+            <a:pPr algn="ctr"/>
+            <a:r>
+              <a:rPr lang="en-US" dirty="0"/>
+              <a:t>References and Tutorials</a:t>
+            </a:r>
+          </a:p>
+        </p:txBody>
+      </p:sp>
+      <p:sp>
+        <p:nvSpPr>
+          <p:cNvPr id="3" name="Content Placeholder 2">
+            <a:extLst>
+              <a:ext uri="{FF2B5EF4-FFF2-40B4-BE49-F238E27FC236}">
+                <a16:creationId xmlns:a16="http://schemas.microsoft.com/office/drawing/2014/main" id="{69DC4D5A-03E2-4824-879B-91A0808A0AFE}"/>
+              </a:ext>
+            </a:extLst>
+          </p:cNvPr>
+          <p:cNvSpPr>
+            <a:spLocks noGrp="1"/>
+          </p:cNvSpPr>
+          <p:nvPr>
+            <p:ph idx="1"/>
+          </p:nvPr>
+        </p:nvSpPr>
+        <p:spPr/>
+        <p:txBody>
+          <a:bodyPr/>
+          <a:lstStyle/>
+          <a:p>
+            <a:r>
+              <a:rPr lang="en-US" dirty="0"/>
+              <a:t>https://www.tutorialspoint.com/python3/python_gui_programming.htm</a:t>
+            </a:r>
+          </a:p>
+          <a:p>
+            <a:r>
+              <a:rPr lang="en-US" dirty="0"/>
+              <a:t>https://docs.python.org/3/library/tkinter.html#a-simple-hello-world-program</a:t>
+            </a:r>
+          </a:p>
+          <a:p>
+            <a:r>
+              <a:rPr lang="en-US" dirty="0"/>
+              <a:t>https://docs.python.org/3/library/tkinter.ttk.html</a:t>
+            </a:r>
+          </a:p>
+        </p:txBody>
+      </p:sp>
+    </p:spTree>
+    <p:extLst>
+      <p:ext uri="{BB962C8B-B14F-4D97-AF65-F5344CB8AC3E}">
+        <p14:creationId xmlns:p14="http://schemas.microsoft.com/office/powerpoint/2010/main" val="668266022"/>
+      </p:ext>
+    </p:extLst>
+  </p:cSld>
+  <p:clrMapOvr>
+    <a:masterClrMapping/>
+  </p:clrMapOvr>
+</p:sld>
+</file>
+
+<file path=ppt/slides/slide29.xml><?xml version="1.0" encoding="utf-8"?>
 <p:sld xmlns:a="http://schemas.openxmlformats.org/drawingml/2006/main" xmlns:r="http://schemas.openxmlformats.org/officeDocument/2006/relationships" xmlns:p="http://schemas.openxmlformats.org/presentationml/2006/main">
   <p:cSld>
     <p:spTree>
@@ -14134,10 +15765,10 @@
       </p:grpSpPr>
       <p:sp>
         <p:nvSpPr>
-          <p:cNvPr id="2" name="Title 1">
+          <p:cNvPr id="3" name="Title 2">
             <a:extLst>
               <a:ext uri="{FF2B5EF4-FFF2-40B4-BE49-F238E27FC236}">
-                <a16:creationId xmlns:a16="http://schemas.microsoft.com/office/drawing/2014/main" id="{3A3783D0-7FEC-4809-8B09-879610A6E0AA}"/>
+                <a16:creationId xmlns:a16="http://schemas.microsoft.com/office/drawing/2014/main" id="{E1502A58-7A9C-4A56-BF02-8EE4A787B8F8}"/>
               </a:ext>
             </a:extLst>
           </p:cNvPr>
@@ -14156,17 +15787,17 @@
             <a:pPr algn="ctr"/>
             <a:r>
               <a:rPr lang="en-US" dirty="0"/>
-              <a:t>Categories of Python Graphical Packages</a:t>
+              <a:t>What is Tkinter?</a:t>
             </a:r>
           </a:p>
         </p:txBody>
       </p:sp>
       <p:sp>
         <p:nvSpPr>
-          <p:cNvPr id="3" name="Content Placeholder 2">
+          <p:cNvPr id="4" name="Content Placeholder 3">
             <a:extLst>
               <a:ext uri="{FF2B5EF4-FFF2-40B4-BE49-F238E27FC236}">
-                <a16:creationId xmlns:a16="http://schemas.microsoft.com/office/drawing/2014/main" id="{F31ED335-A46A-46A5-AD5F-7B22D7635320}"/>
+                <a16:creationId xmlns:a16="http://schemas.microsoft.com/office/drawing/2014/main" id="{3C6109DE-A993-4CE9-90C4-71013B5C138E}"/>
               </a:ext>
             </a:extLst>
           </p:cNvPr>
@@ -14184,53 +15815,27 @@
           <a:p>
             <a:r>
               <a:rPr lang="en-US" dirty="0"/>
-              <a:t>Text Based</a:t>
-            </a:r>
-          </a:p>
-          <a:p>
-            <a:pPr lvl="1"/>
-            <a:r>
-              <a:rPr lang="en-US" dirty="0" err="1"/>
-              <a:t>Tkinter</a:t>
-            </a:r>
-            <a:endParaRPr lang="en-US" dirty="0"/>
+              <a:t>Tkinter is a built-in python package that allows for the creation of a Python Graphical User Interface(GUI)</a:t>
+            </a:r>
           </a:p>
           <a:p>
             <a:r>
               <a:rPr lang="en-US" dirty="0"/>
-              <a:t>Plotting Based</a:t>
-            </a:r>
-          </a:p>
-          <a:p>
-            <a:pPr lvl="1"/>
+              <a:t>It is the antithesis of command level application development</a:t>
+            </a:r>
+          </a:p>
+          <a:p>
             <a:r>
               <a:rPr lang="en-US" dirty="0"/>
-              <a:t>matplotlib</a:t>
-            </a:r>
-          </a:p>
-          <a:p>
-            <a:r>
-              <a:rPr lang="en-US" dirty="0"/>
-              <a:t>Game based</a:t>
-            </a:r>
-          </a:p>
-          <a:p>
-            <a:pPr lvl="1"/>
-            <a:r>
-              <a:rPr lang="en-US" dirty="0" err="1"/>
-              <a:t>pygame</a:t>
-            </a:r>
-            <a:endParaRPr lang="en-US" dirty="0"/>
-          </a:p>
-          <a:p>
-            <a:endParaRPr lang="en-US" dirty="0"/>
+              <a:t>Tkinter is the most popular python graphical User interface package</a:t>
+            </a:r>
           </a:p>
         </p:txBody>
       </p:sp>
     </p:spTree>
     <p:extLst>
       <p:ext uri="{BB962C8B-B14F-4D97-AF65-F5344CB8AC3E}">
-        <p14:creationId xmlns:p14="http://schemas.microsoft.com/office/powerpoint/2010/main" val="3465832519"/>
+        <p14:creationId xmlns:p14="http://schemas.microsoft.com/office/powerpoint/2010/main" val="231587594"/>
       </p:ext>
     </p:extLst>
   </p:cSld>
@@ -14514,7 +16119,7 @@
               <a:buChar char="•"/>
             </a:pPr>
             <a:r>
-              <a:rPr lang="en-US" b="1" i="0" dirty="0" err="1">
+              <a:rPr lang="en-US" b="1" i="0" dirty="0">
                 <a:solidFill>
                   <a:srgbClr val="222222"/>
                 </a:solidFill>
@@ -14688,7 +16293,7 @@
           <p:cNvPr id="2" name="Title 1">
             <a:extLst>
               <a:ext uri="{FF2B5EF4-FFF2-40B4-BE49-F238E27FC236}">
-                <a16:creationId xmlns:a16="http://schemas.microsoft.com/office/drawing/2014/main" id="{A5C866F1-D01E-4000-B991-9BE00A85A2EC}"/>
+                <a16:creationId xmlns:a16="http://schemas.microsoft.com/office/drawing/2014/main" id="{3A3783D0-7FEC-4809-8B09-879610A6E0AA}"/>
               </a:ext>
             </a:extLst>
           </p:cNvPr>
@@ -14704,13 +16309,10 @@
           <a:bodyPr/>
           <a:lstStyle/>
           <a:p>
-            <a:r>
-              <a:rPr lang="en-US" dirty="0" err="1"/>
-              <a:t>Tkinter</a:t>
-            </a:r>
+            <a:pPr algn="ctr"/>
             <a:r>
               <a:rPr lang="en-US" dirty="0"/>
-              <a:t> Installation</a:t>
+              <a:t>Categories of Python Graphical Packages</a:t>
             </a:r>
           </a:p>
         </p:txBody>
@@ -14720,7 +16322,7 @@
           <p:cNvPr id="3" name="Content Placeholder 2">
             <a:extLst>
               <a:ext uri="{FF2B5EF4-FFF2-40B4-BE49-F238E27FC236}">
-                <a16:creationId xmlns:a16="http://schemas.microsoft.com/office/drawing/2014/main" id="{482B4347-B782-4331-A0FB-763B3413F767}"/>
+                <a16:creationId xmlns:a16="http://schemas.microsoft.com/office/drawing/2014/main" id="{F31ED335-A46A-46A5-AD5F-7B22D7635320}"/>
               </a:ext>
             </a:extLst>
           </p:cNvPr>
@@ -14738,75 +16340,58 @@
           <a:p>
             <a:r>
               <a:rPr lang="en-US" dirty="0"/>
-              <a:t>No pip, no brew, no ./configure, no make, no install, no coda</a:t>
-            </a:r>
-          </a:p>
-          <a:p>
+              <a:t>Text Based</a:t>
+            </a:r>
+          </a:p>
+          <a:p>
+            <a:pPr lvl="1"/>
+            <a:r>
+              <a:rPr lang="en-US" dirty="0"/>
+              <a:t>Tkinter</a:t>
+            </a:r>
+          </a:p>
+          <a:p>
+            <a:r>
+              <a:rPr lang="en-US" dirty="0"/>
+              <a:t>Plotting Based</a:t>
+            </a:r>
+          </a:p>
+          <a:p>
+            <a:pPr lvl="1"/>
+            <a:r>
+              <a:rPr lang="en-US" dirty="0"/>
+              <a:t>matplotlib</a:t>
+            </a:r>
+          </a:p>
+          <a:p>
+            <a:r>
+              <a:rPr lang="en-US" dirty="0"/>
+              <a:t>Game based</a:t>
+            </a:r>
+          </a:p>
+          <a:p>
+            <a:pPr lvl="1"/>
             <a:r>
               <a:rPr lang="en-US" dirty="0" err="1"/>
-              <a:t>Tkinter</a:t>
-            </a:r>
+              <a:t>Pygame</a:t>
+            </a:r>
+            <a:endParaRPr lang="en-US" dirty="0"/>
+          </a:p>
+          <a:p>
             <a:r>
               <a:rPr lang="en-US" dirty="0"/>
-              <a:t> is (sort of)  built into Python</a:t>
-            </a:r>
-          </a:p>
-          <a:p>
-            <a:r>
-              <a:rPr lang="en-US" dirty="0"/>
-              <a:t>Managed by Active State</a:t>
-            </a:r>
-          </a:p>
-          <a:p>
-            <a:r>
-              <a:rPr lang="en-US" dirty="0"/>
-              <a:t>You still need to import it as if it were an external package</a:t>
-            </a:r>
-          </a:p>
-          <a:p>
-            <a:pPr lvl="1"/>
-            <a:r>
-              <a:rPr lang="en-US" dirty="0"/>
-              <a:t>from </a:t>
-            </a:r>
-            <a:r>
-              <a:rPr lang="en-US" dirty="0" err="1"/>
-              <a:t>tkinter</a:t>
-            </a:r>
-            <a:r>
-              <a:rPr lang="en-US" dirty="0"/>
-              <a:t> import *</a:t>
-            </a:r>
-          </a:p>
-          <a:p>
-            <a:pPr lvl="1"/>
-            <a:r>
-              <a:rPr lang="en-US" dirty="0"/>
-              <a:t>from </a:t>
-            </a:r>
-            <a:r>
-              <a:rPr lang="en-US" dirty="0" err="1"/>
-              <a:t>tkinter.ttk</a:t>
-            </a:r>
-            <a:r>
-              <a:rPr lang="en-US" dirty="0"/>
-              <a:t> import *  # for </a:t>
-            </a:r>
-            <a:r>
-              <a:rPr lang="en-US" dirty="0" err="1"/>
-              <a:t>tkinter</a:t>
-            </a:r>
-            <a:r>
-              <a:rPr lang="en-US" dirty="0"/>
-              <a:t> themes</a:t>
-            </a:r>
+              <a:t>Multi-Platform Windows Unix Linux MacOS</a:t>
+            </a:r>
+          </a:p>
+          <a:p>
+            <a:endParaRPr lang="en-US" dirty="0"/>
           </a:p>
         </p:txBody>
       </p:sp>
     </p:spTree>
     <p:extLst>
       <p:ext uri="{BB962C8B-B14F-4D97-AF65-F5344CB8AC3E}">
-        <p14:creationId xmlns:p14="http://schemas.microsoft.com/office/powerpoint/2010/main" val="14475096"/>
+        <p14:creationId xmlns:p14="http://schemas.microsoft.com/office/powerpoint/2010/main" val="3465832519"/>
       </p:ext>
     </p:extLst>
   </p:cSld>
@@ -14835,6 +16420,327 @@
       </p:grpSpPr>
       <p:sp>
         <p:nvSpPr>
+          <p:cNvPr id="2" name="Title 1">
+            <a:extLst>
+              <a:ext uri="{FF2B5EF4-FFF2-40B4-BE49-F238E27FC236}">
+                <a16:creationId xmlns:a16="http://schemas.microsoft.com/office/drawing/2014/main" id="{4F28C4EE-CA1C-4A61-9AF9-D3348A075B12}"/>
+              </a:ext>
+            </a:extLst>
+          </p:cNvPr>
+          <p:cNvSpPr>
+            <a:spLocks noGrp="1"/>
+          </p:cNvSpPr>
+          <p:nvPr>
+            <p:ph type="title"/>
+          </p:nvPr>
+        </p:nvSpPr>
+        <p:spPr/>
+        <p:txBody>
+          <a:bodyPr/>
+          <a:lstStyle/>
+          <a:p>
+            <a:pPr algn="ctr"/>
+            <a:r>
+              <a:rPr lang="en-US" dirty="0"/>
+              <a:t>Tkinter Identity Crisis</a:t>
+            </a:r>
+          </a:p>
+        </p:txBody>
+      </p:sp>
+      <p:sp>
+        <p:nvSpPr>
+          <p:cNvPr id="3" name="Content Placeholder 2">
+            <a:extLst>
+              <a:ext uri="{FF2B5EF4-FFF2-40B4-BE49-F238E27FC236}">
+                <a16:creationId xmlns:a16="http://schemas.microsoft.com/office/drawing/2014/main" id="{D3BF8FD9-4D3C-49F9-8CC4-A00845EF835D}"/>
+              </a:ext>
+            </a:extLst>
+          </p:cNvPr>
+          <p:cNvSpPr>
+            <a:spLocks noGrp="1"/>
+          </p:cNvSpPr>
+          <p:nvPr>
+            <p:ph idx="1"/>
+          </p:nvPr>
+        </p:nvSpPr>
+        <p:spPr/>
+        <p:txBody>
+          <a:bodyPr/>
+          <a:lstStyle/>
+          <a:p>
+            <a:pPr marL="0" indent="0">
+              <a:buNone/>
+            </a:pPr>
+            <a:r>
+              <a:rPr lang="en-US" dirty="0"/>
+              <a:t>Tkinter is known by many names:</a:t>
+            </a:r>
+          </a:p>
+          <a:p>
+            <a:r>
+              <a:rPr lang="en-US" dirty="0" err="1"/>
+              <a:t>Tcl</a:t>
+            </a:r>
+            <a:r>
+              <a:rPr lang="en-US" dirty="0"/>
+              <a:t>  (pronounced as </a:t>
+            </a:r>
+            <a:r>
+              <a:rPr lang="en-US" i="1" dirty="0"/>
+              <a:t>tickle)</a:t>
+            </a:r>
+          </a:p>
+          <a:p>
+            <a:r>
+              <a:rPr lang="en-US" dirty="0"/>
+              <a:t>Tk</a:t>
+            </a:r>
+          </a:p>
+          <a:p>
+            <a:r>
+              <a:rPr lang="en-US" dirty="0" err="1"/>
+              <a:t>Tcl</a:t>
+            </a:r>
+            <a:r>
+              <a:rPr lang="en-US" dirty="0"/>
+              <a:t>/Tk</a:t>
+            </a:r>
+          </a:p>
+          <a:p>
+            <a:r>
+              <a:rPr lang="en-US" dirty="0"/>
+              <a:t>Tkinter</a:t>
+            </a:r>
+          </a:p>
+          <a:p>
+            <a:r>
+              <a:rPr lang="en-US" dirty="0" err="1"/>
+              <a:t>Tkk</a:t>
+            </a:r>
+            <a:endParaRPr lang="en-US" dirty="0"/>
+          </a:p>
+        </p:txBody>
+      </p:sp>
+    </p:spTree>
+    <p:extLst>
+      <p:ext uri="{BB962C8B-B14F-4D97-AF65-F5344CB8AC3E}">
+        <p14:creationId xmlns:p14="http://schemas.microsoft.com/office/powerpoint/2010/main" val="1048051471"/>
+      </p:ext>
+    </p:extLst>
+  </p:cSld>
+  <p:clrMapOvr>
+    <a:masterClrMapping/>
+  </p:clrMapOvr>
+</p:sld>
+</file>
+
+<file path=ppt/slides/slide7.xml><?xml version="1.0" encoding="utf-8"?>
+<p:sld xmlns:a="http://schemas.openxmlformats.org/drawingml/2006/main" xmlns:r="http://schemas.openxmlformats.org/officeDocument/2006/relationships" xmlns:p="http://schemas.openxmlformats.org/presentationml/2006/main">
+  <p:cSld>
+    <p:spTree>
+      <p:nvGrpSpPr>
+        <p:cNvPr id="1" name=""/>
+        <p:cNvGrpSpPr/>
+        <p:nvPr/>
+      </p:nvGrpSpPr>
+      <p:grpSpPr>
+        <a:xfrm>
+          <a:off x="0" y="0"/>
+          <a:ext cx="0" cy="0"/>
+          <a:chOff x="0" y="0"/>
+          <a:chExt cx="0" cy="0"/>
+        </a:xfrm>
+      </p:grpSpPr>
+      <p:sp>
+        <p:nvSpPr>
+          <p:cNvPr id="2" name="Title 1">
+            <a:extLst>
+              <a:ext uri="{FF2B5EF4-FFF2-40B4-BE49-F238E27FC236}">
+                <a16:creationId xmlns:a16="http://schemas.microsoft.com/office/drawing/2014/main" id="{A5C866F1-D01E-4000-B991-9BE00A85A2EC}"/>
+              </a:ext>
+            </a:extLst>
+          </p:cNvPr>
+          <p:cNvSpPr>
+            <a:spLocks noGrp="1"/>
+          </p:cNvSpPr>
+          <p:nvPr>
+            <p:ph type="title"/>
+          </p:nvPr>
+        </p:nvSpPr>
+        <p:spPr/>
+        <p:txBody>
+          <a:bodyPr/>
+          <a:lstStyle/>
+          <a:p>
+            <a:r>
+              <a:rPr lang="en-US" dirty="0"/>
+              <a:t>Tkinter Installation</a:t>
+            </a:r>
+          </a:p>
+        </p:txBody>
+      </p:sp>
+      <p:sp>
+        <p:nvSpPr>
+          <p:cNvPr id="3" name="Content Placeholder 2">
+            <a:extLst>
+              <a:ext uri="{FF2B5EF4-FFF2-40B4-BE49-F238E27FC236}">
+                <a16:creationId xmlns:a16="http://schemas.microsoft.com/office/drawing/2014/main" id="{482B4347-B782-4331-A0FB-763B3413F767}"/>
+              </a:ext>
+            </a:extLst>
+          </p:cNvPr>
+          <p:cNvSpPr>
+            <a:spLocks noGrp="1"/>
+          </p:cNvSpPr>
+          <p:nvPr>
+            <p:ph idx="1"/>
+          </p:nvPr>
+        </p:nvSpPr>
+        <p:spPr/>
+        <p:txBody>
+          <a:bodyPr>
+            <a:normAutofit fontScale="92500" lnSpcReduction="20000"/>
+          </a:bodyPr>
+          <a:lstStyle/>
+          <a:p>
+            <a:r>
+              <a:rPr lang="en-US" dirty="0"/>
+              <a:t>No pip, no brew, no ./configure, no make, no install, no coda</a:t>
+            </a:r>
+          </a:p>
+          <a:p>
+            <a:r>
+              <a:rPr lang="en-US" dirty="0"/>
+              <a:t>Tkinter is (sort of)  built into Python</a:t>
+            </a:r>
+          </a:p>
+          <a:p>
+            <a:r>
+              <a:rPr lang="en-US" dirty="0"/>
+              <a:t>Managed by Active State</a:t>
+            </a:r>
+          </a:p>
+          <a:p>
+            <a:r>
+              <a:rPr lang="en-US" dirty="0"/>
+              <a:t>You can optionally install it to update or get the latest version</a:t>
+            </a:r>
+          </a:p>
+          <a:p>
+            <a:pPr lvl="1"/>
+            <a:r>
+              <a:rPr lang="en-US" dirty="0"/>
+              <a:t>Verifying the installation</a:t>
+            </a:r>
+          </a:p>
+          <a:p>
+            <a:pPr marL="457200" lvl="1" indent="0">
+              <a:buNone/>
+            </a:pPr>
+            <a:r>
+              <a:rPr lang="en-US" dirty="0"/>
+              <a:t>&gt;&gt;&gt; import </a:t>
+            </a:r>
+            <a:r>
+              <a:rPr lang="en-US" dirty="0" err="1"/>
+              <a:t>tkinter</a:t>
+            </a:r>
+            <a:endParaRPr lang="en-US" dirty="0"/>
+          </a:p>
+          <a:p>
+            <a:pPr marL="457200" lvl="1" indent="0">
+              <a:buNone/>
+            </a:pPr>
+            <a:r>
+              <a:rPr lang="en-US" dirty="0"/>
+              <a:t>&gt;&gt;&gt; </a:t>
+            </a:r>
+            <a:r>
+              <a:rPr lang="en-US" b="1" dirty="0" err="1"/>
+              <a:t>tkinter</a:t>
+            </a:r>
+            <a:r>
+              <a:rPr lang="en-US" b="1" dirty="0"/>
+              <a:t>._test</a:t>
+            </a:r>
+          </a:p>
+          <a:p>
+            <a:r>
+              <a:rPr lang="en-US" dirty="0"/>
+              <a:t>You still need to import it as if it were an external package</a:t>
+            </a:r>
+          </a:p>
+          <a:p>
+            <a:pPr lvl="1"/>
+            <a:r>
+              <a:rPr lang="en-US" dirty="0"/>
+              <a:t>from </a:t>
+            </a:r>
+            <a:r>
+              <a:rPr lang="en-US" dirty="0" err="1"/>
+              <a:t>tkinter</a:t>
+            </a:r>
+            <a:r>
+              <a:rPr lang="en-US" dirty="0"/>
+              <a:t> import *</a:t>
+            </a:r>
+          </a:p>
+          <a:p>
+            <a:pPr lvl="1"/>
+            <a:r>
+              <a:rPr lang="en-US" dirty="0"/>
+              <a:t>from </a:t>
+            </a:r>
+            <a:r>
+              <a:rPr lang="en-US" dirty="0" err="1"/>
+              <a:t>tkinter.tkk</a:t>
+            </a:r>
+            <a:r>
+              <a:rPr lang="en-US" dirty="0"/>
+              <a:t> import *  # for </a:t>
+            </a:r>
+            <a:r>
+              <a:rPr lang="en-US" dirty="0" err="1"/>
+              <a:t>tkinter</a:t>
+            </a:r>
+            <a:r>
+              <a:rPr lang="en-US" dirty="0"/>
+              <a:t> themes</a:t>
+            </a:r>
+          </a:p>
+        </p:txBody>
+      </p:sp>
+    </p:spTree>
+    <p:extLst>
+      <p:ext uri="{BB962C8B-B14F-4D97-AF65-F5344CB8AC3E}">
+        <p14:creationId xmlns:p14="http://schemas.microsoft.com/office/powerpoint/2010/main" val="14475096"/>
+      </p:ext>
+    </p:extLst>
+  </p:cSld>
+  <p:clrMapOvr>
+    <a:masterClrMapping/>
+  </p:clrMapOvr>
+</p:sld>
+</file>
+
+<file path=ppt/slides/slide8.xml><?xml version="1.0" encoding="utf-8"?>
+<p:sld xmlns:a="http://schemas.openxmlformats.org/drawingml/2006/main" xmlns:r="http://schemas.openxmlformats.org/officeDocument/2006/relationships" xmlns:p="http://schemas.openxmlformats.org/presentationml/2006/main">
+  <p:cSld>
+    <p:spTree>
+      <p:nvGrpSpPr>
+        <p:cNvPr id="1" name=""/>
+        <p:cNvGrpSpPr/>
+        <p:nvPr/>
+      </p:nvGrpSpPr>
+      <p:grpSpPr>
+        <a:xfrm>
+          <a:off x="0" y="0"/>
+          <a:ext cx="0" cy="0"/>
+          <a:chOff x="0" y="0"/>
+          <a:chExt cx="0" cy="0"/>
+        </a:xfrm>
+      </p:grpSpPr>
+      <p:sp>
+        <p:nvSpPr>
           <p:cNvPr id="4" name="Title 3">
             <a:extLst>
               <a:ext uri="{FF2B5EF4-FFF2-40B4-BE49-F238E27FC236}">
@@ -14857,13 +16763,8 @@
             <a:pPr algn="ctr"/>
             <a:r>
               <a:rPr lang="en-US" dirty="0"/>
-              <a:t>Verify </a:t>
-            </a:r>
-            <a:r>
-              <a:rPr lang="en-US" dirty="0" err="1"/>
-              <a:t>Tkinter</a:t>
-            </a:r>
-            <a:endParaRPr lang="en-US" dirty="0"/>
+              <a:t>Verify Tkinter</a:t>
+            </a:r>
           </a:p>
         </p:txBody>
       </p:sp>
@@ -14950,288 +16851,6 @@
 </p:sld>
 </file>
 
-<file path=ppt/slides/slide7.xml><?xml version="1.0" encoding="utf-8"?>
-<p:sld xmlns:a="http://schemas.openxmlformats.org/drawingml/2006/main" xmlns:r="http://schemas.openxmlformats.org/officeDocument/2006/relationships" xmlns:p="http://schemas.openxmlformats.org/presentationml/2006/main">
-  <p:cSld>
-    <p:spTree>
-      <p:nvGrpSpPr>
-        <p:cNvPr id="1" name=""/>
-        <p:cNvGrpSpPr/>
-        <p:nvPr/>
-      </p:nvGrpSpPr>
-      <p:grpSpPr>
-        <a:xfrm>
-          <a:off x="0" y="0"/>
-          <a:ext cx="0" cy="0"/>
-          <a:chOff x="0" y="0"/>
-          <a:chExt cx="0" cy="0"/>
-        </a:xfrm>
-      </p:grpSpPr>
-      <p:sp>
-        <p:nvSpPr>
-          <p:cNvPr id="2" name="Title 1">
-            <a:extLst>
-              <a:ext uri="{FF2B5EF4-FFF2-40B4-BE49-F238E27FC236}">
-                <a16:creationId xmlns:a16="http://schemas.microsoft.com/office/drawing/2014/main" id="{4F8EB9C9-D125-4A6D-A3E5-64AAAEC3FBAD}"/>
-              </a:ext>
-            </a:extLst>
-          </p:cNvPr>
-          <p:cNvSpPr>
-            <a:spLocks noGrp="1"/>
-          </p:cNvSpPr>
-          <p:nvPr>
-            <p:ph type="title"/>
-          </p:nvPr>
-        </p:nvSpPr>
-        <p:spPr/>
-        <p:txBody>
-          <a:bodyPr/>
-          <a:lstStyle/>
-          <a:p>
-            <a:pPr algn="ctr"/>
-            <a:r>
-              <a:rPr lang="en-US" dirty="0"/>
-              <a:t>Hello  World</a:t>
-            </a:r>
-            <a:br>
-              <a:rPr lang="en-US" dirty="0"/>
-            </a:br>
-            <a:r>
-              <a:rPr lang="en-US" sz="2000" i="1" dirty="0"/>
-              <a:t>pack()</a:t>
-            </a:r>
-          </a:p>
-        </p:txBody>
-      </p:sp>
-      <p:pic>
-        <p:nvPicPr>
-          <p:cNvPr id="4" name="Picture 3">
-            <a:extLst>
-              <a:ext uri="{FF2B5EF4-FFF2-40B4-BE49-F238E27FC236}">
-                <a16:creationId xmlns:a16="http://schemas.microsoft.com/office/drawing/2014/main" id="{F53C4C6E-BC12-4AAE-AEB5-CB36D6CD7BAA}"/>
-              </a:ext>
-            </a:extLst>
-          </p:cNvPr>
-          <p:cNvPicPr>
-            <a:picLocks noChangeAspect="1"/>
-          </p:cNvPicPr>
-          <p:nvPr/>
-        </p:nvPicPr>
-        <p:blipFill>
-          <a:blip r:embed="rId2"/>
-          <a:stretch>
-            <a:fillRect/>
-          </a:stretch>
-        </p:blipFill>
-        <p:spPr>
-          <a:xfrm>
-            <a:off x="668157" y="3055182"/>
-            <a:ext cx="3371850" cy="2562225"/>
-          </a:xfrm>
-          <a:prstGeom prst="rect">
-            <a:avLst/>
-          </a:prstGeom>
-        </p:spPr>
-      </p:pic>
-      <p:pic>
-        <p:nvPicPr>
-          <p:cNvPr id="8" name="Picture 7">
-            <a:extLst>
-              <a:ext uri="{FF2B5EF4-FFF2-40B4-BE49-F238E27FC236}">
-                <a16:creationId xmlns:a16="http://schemas.microsoft.com/office/drawing/2014/main" id="{5F7C4FE3-919A-402B-A6AE-2B414566B7F4}"/>
-              </a:ext>
-            </a:extLst>
-          </p:cNvPr>
-          <p:cNvPicPr>
-            <a:picLocks noChangeAspect="1"/>
-          </p:cNvPicPr>
-          <p:nvPr/>
-        </p:nvPicPr>
-        <p:blipFill>
-          <a:blip r:embed="rId3"/>
-          <a:stretch>
-            <a:fillRect/>
-          </a:stretch>
-        </p:blipFill>
-        <p:spPr>
-          <a:xfrm>
-            <a:off x="4147646" y="3036132"/>
-            <a:ext cx="4010025" cy="2581275"/>
-          </a:xfrm>
-          <a:prstGeom prst="rect">
-            <a:avLst/>
-          </a:prstGeom>
-        </p:spPr>
-      </p:pic>
-      <p:pic>
-        <p:nvPicPr>
-          <p:cNvPr id="10" name="Picture 9">
-            <a:extLst>
-              <a:ext uri="{FF2B5EF4-FFF2-40B4-BE49-F238E27FC236}">
-                <a16:creationId xmlns:a16="http://schemas.microsoft.com/office/drawing/2014/main" id="{1EFC88DA-1885-4A7F-B5D6-C2CB7551FE11}"/>
-              </a:ext>
-            </a:extLst>
-          </p:cNvPr>
-          <p:cNvPicPr>
-            <a:picLocks noChangeAspect="1"/>
-          </p:cNvPicPr>
-          <p:nvPr/>
-        </p:nvPicPr>
-        <p:blipFill>
-          <a:blip r:embed="rId4"/>
-          <a:stretch>
-            <a:fillRect/>
-          </a:stretch>
-        </p:blipFill>
-        <p:spPr>
-          <a:xfrm>
-            <a:off x="8457289" y="2867076"/>
-            <a:ext cx="3066554" cy="2243522"/>
-          </a:xfrm>
-          <a:prstGeom prst="rect">
-            <a:avLst/>
-          </a:prstGeom>
-        </p:spPr>
-      </p:pic>
-    </p:spTree>
-    <p:extLst>
-      <p:ext uri="{BB962C8B-B14F-4D97-AF65-F5344CB8AC3E}">
-        <p14:creationId xmlns:p14="http://schemas.microsoft.com/office/powerpoint/2010/main" val="4260237126"/>
-      </p:ext>
-    </p:extLst>
-  </p:cSld>
-  <p:clrMapOvr>
-    <a:masterClrMapping/>
-  </p:clrMapOvr>
-</p:sld>
-</file>
-
-<file path=ppt/slides/slide8.xml><?xml version="1.0" encoding="utf-8"?>
-<p:sld xmlns:a="http://schemas.openxmlformats.org/drawingml/2006/main" xmlns:r="http://schemas.openxmlformats.org/officeDocument/2006/relationships" xmlns:p="http://schemas.openxmlformats.org/presentationml/2006/main">
-  <p:cSld>
-    <p:spTree>
-      <p:nvGrpSpPr>
-        <p:cNvPr id="1" name=""/>
-        <p:cNvGrpSpPr/>
-        <p:nvPr/>
-      </p:nvGrpSpPr>
-      <p:grpSpPr>
-        <a:xfrm>
-          <a:off x="0" y="0"/>
-          <a:ext cx="0" cy="0"/>
-          <a:chOff x="0" y="0"/>
-          <a:chExt cx="0" cy="0"/>
-        </a:xfrm>
-      </p:grpSpPr>
-      <p:sp>
-        <p:nvSpPr>
-          <p:cNvPr id="2" name="Title 1">
-            <a:extLst>
-              <a:ext uri="{FF2B5EF4-FFF2-40B4-BE49-F238E27FC236}">
-                <a16:creationId xmlns:a16="http://schemas.microsoft.com/office/drawing/2014/main" id="{4F8EB9C9-D125-4A6D-A3E5-64AAAEC3FBAD}"/>
-              </a:ext>
-            </a:extLst>
-          </p:cNvPr>
-          <p:cNvSpPr>
-            <a:spLocks noGrp="1"/>
-          </p:cNvSpPr>
-          <p:nvPr>
-            <p:ph type="title"/>
-          </p:nvPr>
-        </p:nvSpPr>
-        <p:spPr/>
-        <p:txBody>
-          <a:bodyPr/>
-          <a:lstStyle/>
-          <a:p>
-            <a:pPr algn="ctr"/>
-            <a:r>
-              <a:rPr lang="en-US" dirty="0"/>
-              <a:t>Hello  World</a:t>
-            </a:r>
-            <a:br>
-              <a:rPr lang="en-US" dirty="0"/>
-            </a:br>
-            <a:r>
-              <a:rPr lang="en-US" sz="2000" i="1" dirty="0"/>
-              <a:t>pack() Attributes</a:t>
-            </a:r>
-          </a:p>
-        </p:txBody>
-      </p:sp>
-      <p:pic>
-        <p:nvPicPr>
-          <p:cNvPr id="4" name="Picture 3">
-            <a:extLst>
-              <a:ext uri="{FF2B5EF4-FFF2-40B4-BE49-F238E27FC236}">
-                <a16:creationId xmlns:a16="http://schemas.microsoft.com/office/drawing/2014/main" id="{31540C13-4317-4524-AC21-F68913D2C65C}"/>
-              </a:ext>
-            </a:extLst>
-          </p:cNvPr>
-          <p:cNvPicPr>
-            <a:picLocks noChangeAspect="1"/>
-          </p:cNvPicPr>
-          <p:nvPr/>
-        </p:nvPicPr>
-        <p:blipFill>
-          <a:blip r:embed="rId2"/>
-          <a:stretch>
-            <a:fillRect/>
-          </a:stretch>
-        </p:blipFill>
-        <p:spPr>
-          <a:xfrm>
-            <a:off x="1952139" y="2940017"/>
-            <a:ext cx="3305175" cy="2657475"/>
-          </a:xfrm>
-          <a:prstGeom prst="rect">
-            <a:avLst/>
-          </a:prstGeom>
-        </p:spPr>
-      </p:pic>
-      <p:pic>
-        <p:nvPicPr>
-          <p:cNvPr id="6" name="Picture 5">
-            <a:extLst>
-              <a:ext uri="{FF2B5EF4-FFF2-40B4-BE49-F238E27FC236}">
-                <a16:creationId xmlns:a16="http://schemas.microsoft.com/office/drawing/2014/main" id="{90F2CD44-D99B-4082-95C8-399ADFFD1BD4}"/>
-              </a:ext>
-            </a:extLst>
-          </p:cNvPr>
-          <p:cNvPicPr>
-            <a:picLocks noChangeAspect="1"/>
-          </p:cNvPicPr>
-          <p:nvPr/>
-        </p:nvPicPr>
-        <p:blipFill>
-          <a:blip r:embed="rId3"/>
-          <a:stretch>
-            <a:fillRect/>
-          </a:stretch>
-        </p:blipFill>
-        <p:spPr>
-          <a:xfrm>
-            <a:off x="6581192" y="2940017"/>
-            <a:ext cx="2936033" cy="2471284"/>
-          </a:xfrm>
-          <a:prstGeom prst="rect">
-            <a:avLst/>
-          </a:prstGeom>
-        </p:spPr>
-      </p:pic>
-    </p:spTree>
-    <p:extLst>
-      <p:ext uri="{BB962C8B-B14F-4D97-AF65-F5344CB8AC3E}">
-        <p14:creationId xmlns:p14="http://schemas.microsoft.com/office/powerpoint/2010/main" val="1415538667"/>
-      </p:ext>
-    </p:extLst>
-  </p:cSld>
-  <p:clrMapOvr>
-    <a:masterClrMapping/>
-  </p:clrMapOvr>
-</p:sld>
-</file>
-
 <file path=ppt/slides/slide9.xml><?xml version="1.0" encoding="utf-8"?>
 <p:sld xmlns:a="http://schemas.openxmlformats.org/drawingml/2006/main" xmlns:r="http://schemas.openxmlformats.org/officeDocument/2006/relationships" xmlns:p="http://schemas.openxmlformats.org/presentationml/2006/main">
   <p:cSld>
@@ -15254,7 +16873,7 @@
           <p:cNvPr id="2" name="Title 1">
             <a:extLst>
               <a:ext uri="{FF2B5EF4-FFF2-40B4-BE49-F238E27FC236}">
-                <a16:creationId xmlns:a16="http://schemas.microsoft.com/office/drawing/2014/main" id="{4F8EB9C9-D125-4A6D-A3E5-64AAAEC3FBAD}"/>
+                <a16:creationId xmlns:a16="http://schemas.microsoft.com/office/drawing/2014/main" id="{7695DDD0-140C-472D-B7DD-2D7ED1222067}"/>
               </a:ext>
             </a:extLst>
           </p:cNvPr>
@@ -15273,112 +16892,328 @@
             <a:pPr algn="ctr"/>
             <a:r>
               <a:rPr lang="en-US" dirty="0"/>
-              <a:t>Hello  World</a:t>
-            </a:r>
-            <a:br>
-              <a:rPr lang="en-US" dirty="0"/>
-            </a:br>
-            <a:r>
-              <a:rPr lang="en-US" sz="2000" i="1" dirty="0"/>
-              <a:t>grid()</a:t>
+              <a:t>Tkinter Processing Model</a:t>
             </a:r>
           </a:p>
         </p:txBody>
       </p:sp>
-      <p:pic>
-        <p:nvPicPr>
-          <p:cNvPr id="16" name="Picture 15">
+      <p:sp>
+        <p:nvSpPr>
+          <p:cNvPr id="3" name="Rectangle 2">
             <a:extLst>
               <a:ext uri="{FF2B5EF4-FFF2-40B4-BE49-F238E27FC236}">
-                <a16:creationId xmlns:a16="http://schemas.microsoft.com/office/drawing/2014/main" id="{FB5F8A68-145C-4AF8-8484-4D13FDD1CCCA}"/>
+                <a16:creationId xmlns:a16="http://schemas.microsoft.com/office/drawing/2014/main" id="{FAB31DAC-FC45-44E8-94ED-00760D899693}"/>
               </a:ext>
             </a:extLst>
           </p:cNvPr>
-          <p:cNvPicPr>
-            <a:picLocks noChangeAspect="1"/>
-          </p:cNvPicPr>
+          <p:cNvSpPr/>
           <p:nvPr/>
-        </p:nvPicPr>
-        <p:blipFill>
-          <a:blip r:embed="rId2"/>
-          <a:stretch>
-            <a:fillRect/>
-          </a:stretch>
-        </p:blipFill>
+        </p:nvSpPr>
         <p:spPr>
           <a:xfrm>
-            <a:off x="8873219" y="2544137"/>
-            <a:ext cx="3067050" cy="2238375"/>
+            <a:off x="4328462" y="2735582"/>
+            <a:ext cx="2772133" cy="534798"/>
           </a:xfrm>
           <a:prstGeom prst="rect">
             <a:avLst/>
           </a:prstGeom>
         </p:spPr>
-      </p:pic>
-      <p:pic>
-        <p:nvPicPr>
-          <p:cNvPr id="18" name="Picture 17">
+        <p:style>
+          <a:lnRef idx="2">
+            <a:schemeClr val="accent4">
+              <a:shade val="50000"/>
+            </a:schemeClr>
+          </a:lnRef>
+          <a:fillRef idx="1">
+            <a:schemeClr val="accent4"/>
+          </a:fillRef>
+          <a:effectRef idx="0">
+            <a:schemeClr val="accent4"/>
+          </a:effectRef>
+          <a:fontRef idx="minor">
+            <a:schemeClr val="lt1"/>
+          </a:fontRef>
+        </p:style>
+        <p:txBody>
+          <a:bodyPr rtlCol="0" anchor="ctr"/>
+          <a:lstStyle/>
+          <a:p>
+            <a:pPr algn="ctr"/>
+            <a:r>
+              <a:rPr lang="en-US" dirty="0"/>
+              <a:t>Import Packages</a:t>
+            </a:r>
+          </a:p>
+        </p:txBody>
+      </p:sp>
+      <p:sp>
+        <p:nvSpPr>
+          <p:cNvPr id="4" name="Rectangle 3">
             <a:extLst>
               <a:ext uri="{FF2B5EF4-FFF2-40B4-BE49-F238E27FC236}">
-                <a16:creationId xmlns:a16="http://schemas.microsoft.com/office/drawing/2014/main" id="{22E8F7E0-3676-494E-B5F1-B7243DBD1B34}"/>
+                <a16:creationId xmlns:a16="http://schemas.microsoft.com/office/drawing/2014/main" id="{F0BE73E9-D8AD-4BC2-ADC6-EEB58E7451B0}"/>
               </a:ext>
             </a:extLst>
           </p:cNvPr>
-          <p:cNvPicPr>
-            <a:picLocks noChangeAspect="1"/>
-          </p:cNvPicPr>
+          <p:cNvSpPr/>
           <p:nvPr/>
-        </p:nvPicPr>
-        <p:blipFill>
-          <a:blip r:embed="rId3"/>
-          <a:stretch>
-            <a:fillRect/>
-          </a:stretch>
-        </p:blipFill>
+        </p:nvSpPr>
         <p:spPr>
           <a:xfrm>
-            <a:off x="666117" y="2476684"/>
-            <a:ext cx="3343275" cy="2752725"/>
+            <a:off x="4328463" y="3800984"/>
+            <a:ext cx="2835480" cy="534798"/>
           </a:xfrm>
           <a:prstGeom prst="rect">
             <a:avLst/>
           </a:prstGeom>
         </p:spPr>
-      </p:pic>
-      <p:pic>
-        <p:nvPicPr>
-          <p:cNvPr id="22" name="Picture 21">
+        <p:style>
+          <a:lnRef idx="2">
+            <a:schemeClr val="accent4">
+              <a:shade val="50000"/>
+            </a:schemeClr>
+          </a:lnRef>
+          <a:fillRef idx="1">
+            <a:schemeClr val="accent4"/>
+          </a:fillRef>
+          <a:effectRef idx="0">
+            <a:schemeClr val="accent4"/>
+          </a:effectRef>
+          <a:fontRef idx="minor">
+            <a:schemeClr val="lt1"/>
+          </a:fontRef>
+        </p:style>
+        <p:txBody>
+          <a:bodyPr rtlCol="0" anchor="ctr"/>
+          <a:lstStyle/>
+          <a:p>
+            <a:pPr algn="ctr"/>
+            <a:r>
+              <a:rPr lang="en-US" dirty="0"/>
+              <a:t>Create Root Window</a:t>
+            </a:r>
+          </a:p>
+        </p:txBody>
+      </p:sp>
+      <p:sp>
+        <p:nvSpPr>
+          <p:cNvPr id="5" name="Rectangle 4">
             <a:extLst>
               <a:ext uri="{FF2B5EF4-FFF2-40B4-BE49-F238E27FC236}">
-                <a16:creationId xmlns:a16="http://schemas.microsoft.com/office/drawing/2014/main" id="{AF0F218F-D8C7-4693-B48C-6871DE23B831}"/>
+                <a16:creationId xmlns:a16="http://schemas.microsoft.com/office/drawing/2014/main" id="{0E2C5F65-2C71-49DB-BEF4-3CE9D1E6C837}"/>
               </a:ext>
             </a:extLst>
           </p:cNvPr>
-          <p:cNvPicPr>
-            <a:picLocks noChangeAspect="1"/>
-          </p:cNvPicPr>
+          <p:cNvSpPr/>
           <p:nvPr/>
-        </p:nvPicPr>
-        <p:blipFill>
-          <a:blip r:embed="rId4"/>
-          <a:stretch>
-            <a:fillRect/>
-          </a:stretch>
-        </p:blipFill>
+        </p:nvSpPr>
         <p:spPr>
           <a:xfrm>
-            <a:off x="3977369" y="2476684"/>
-            <a:ext cx="4895850" cy="2695575"/>
+            <a:off x="4328462" y="4866386"/>
+            <a:ext cx="2772133" cy="534798"/>
           </a:xfrm>
           <a:prstGeom prst="rect">
             <a:avLst/>
           </a:prstGeom>
         </p:spPr>
-      </p:pic>
+        <p:style>
+          <a:lnRef idx="2">
+            <a:schemeClr val="accent4">
+              <a:shade val="50000"/>
+            </a:schemeClr>
+          </a:lnRef>
+          <a:fillRef idx="1">
+            <a:schemeClr val="accent4"/>
+          </a:fillRef>
+          <a:effectRef idx="0">
+            <a:schemeClr val="accent4"/>
+          </a:effectRef>
+          <a:fontRef idx="minor">
+            <a:schemeClr val="lt1"/>
+          </a:fontRef>
+        </p:style>
+        <p:txBody>
+          <a:bodyPr rtlCol="0" anchor="ctr"/>
+          <a:lstStyle/>
+          <a:p>
+            <a:pPr algn="ctr"/>
+            <a:r>
+              <a:rPr lang="en-US" dirty="0"/>
+              <a:t>Add Screen Widgets</a:t>
+            </a:r>
+          </a:p>
+        </p:txBody>
+      </p:sp>
+      <p:sp>
+        <p:nvSpPr>
+          <p:cNvPr id="7" name="Rectangle 6">
+            <a:extLst>
+              <a:ext uri="{FF2B5EF4-FFF2-40B4-BE49-F238E27FC236}">
+                <a16:creationId xmlns:a16="http://schemas.microsoft.com/office/drawing/2014/main" id="{CA2C85D5-DB43-4151-8ED3-99AD11258705}"/>
+              </a:ext>
+            </a:extLst>
+          </p:cNvPr>
+          <p:cNvSpPr/>
+          <p:nvPr/>
+        </p:nvSpPr>
+        <p:spPr>
+          <a:xfrm>
+            <a:off x="4328461" y="5849295"/>
+            <a:ext cx="2772133" cy="534798"/>
+          </a:xfrm>
+          <a:prstGeom prst="rect">
+            <a:avLst/>
+          </a:prstGeom>
+        </p:spPr>
+        <p:style>
+          <a:lnRef idx="2">
+            <a:schemeClr val="accent4">
+              <a:shade val="50000"/>
+            </a:schemeClr>
+          </a:lnRef>
+          <a:fillRef idx="1">
+            <a:schemeClr val="accent4"/>
+          </a:fillRef>
+          <a:effectRef idx="0">
+            <a:schemeClr val="accent4"/>
+          </a:effectRef>
+          <a:fontRef idx="minor">
+            <a:schemeClr val="lt1"/>
+          </a:fontRef>
+        </p:style>
+        <p:txBody>
+          <a:bodyPr rtlCol="0" anchor="ctr"/>
+          <a:lstStyle/>
+          <a:p>
+            <a:pPr algn="ctr"/>
+            <a:r>
+              <a:rPr lang="en-US" dirty="0"/>
+              <a:t>Enter Main Loop</a:t>
+            </a:r>
+          </a:p>
+        </p:txBody>
+      </p:sp>
+      <p:cxnSp>
+        <p:nvCxnSpPr>
+          <p:cNvPr id="11" name="Straight Arrow Connector 10">
+            <a:extLst>
+              <a:ext uri="{FF2B5EF4-FFF2-40B4-BE49-F238E27FC236}">
+                <a16:creationId xmlns:a16="http://schemas.microsoft.com/office/drawing/2014/main" id="{0F4B710A-A962-4A82-958B-B4B1136D564E}"/>
+              </a:ext>
+            </a:extLst>
+          </p:cNvPr>
+          <p:cNvCxnSpPr/>
+          <p:nvPr/>
+        </p:nvCxnSpPr>
+        <p:spPr>
+          <a:xfrm>
+            <a:off x="5714527" y="3331200"/>
+            <a:ext cx="0" cy="369116"/>
+          </a:xfrm>
+          <a:prstGeom prst="straightConnector1">
+            <a:avLst/>
+          </a:prstGeom>
+          <a:ln w="44450">
+            <a:tailEnd type="triangle"/>
+          </a:ln>
+        </p:spPr>
+        <p:style>
+          <a:lnRef idx="1">
+            <a:schemeClr val="accent1"/>
+          </a:lnRef>
+          <a:fillRef idx="0">
+            <a:schemeClr val="accent1"/>
+          </a:fillRef>
+          <a:effectRef idx="0">
+            <a:schemeClr val="accent1"/>
+          </a:effectRef>
+          <a:fontRef idx="minor">
+            <a:schemeClr val="tx1"/>
+          </a:fontRef>
+        </p:style>
+      </p:cxnSp>
+      <p:cxnSp>
+        <p:nvCxnSpPr>
+          <p:cNvPr id="12" name="Straight Arrow Connector 11">
+            <a:extLst>
+              <a:ext uri="{FF2B5EF4-FFF2-40B4-BE49-F238E27FC236}">
+                <a16:creationId xmlns:a16="http://schemas.microsoft.com/office/drawing/2014/main" id="{E2701336-517E-45E0-A3BA-EF420865CB4B}"/>
+              </a:ext>
+            </a:extLst>
+          </p:cNvPr>
+          <p:cNvCxnSpPr/>
+          <p:nvPr/>
+        </p:nvCxnSpPr>
+        <p:spPr>
+          <a:xfrm>
+            <a:off x="5714527" y="4414778"/>
+            <a:ext cx="0" cy="369116"/>
+          </a:xfrm>
+          <a:prstGeom prst="straightConnector1">
+            <a:avLst/>
+          </a:prstGeom>
+          <a:ln w="44450">
+            <a:tailEnd type="triangle"/>
+          </a:ln>
+        </p:spPr>
+        <p:style>
+          <a:lnRef idx="1">
+            <a:schemeClr val="accent1"/>
+          </a:lnRef>
+          <a:fillRef idx="0">
+            <a:schemeClr val="accent1"/>
+          </a:fillRef>
+          <a:effectRef idx="0">
+            <a:schemeClr val="accent1"/>
+          </a:effectRef>
+          <a:fontRef idx="minor">
+            <a:schemeClr val="tx1"/>
+          </a:fontRef>
+        </p:style>
+      </p:cxnSp>
+      <p:cxnSp>
+        <p:nvCxnSpPr>
+          <p:cNvPr id="13" name="Straight Arrow Connector 12">
+            <a:extLst>
+              <a:ext uri="{FF2B5EF4-FFF2-40B4-BE49-F238E27FC236}">
+                <a16:creationId xmlns:a16="http://schemas.microsoft.com/office/drawing/2014/main" id="{DE167491-6AEB-4A7F-997D-31268EA4A081}"/>
+              </a:ext>
+            </a:extLst>
+          </p:cNvPr>
+          <p:cNvCxnSpPr/>
+          <p:nvPr/>
+        </p:nvCxnSpPr>
+        <p:spPr>
+          <a:xfrm>
+            <a:off x="5714527" y="5401184"/>
+            <a:ext cx="0" cy="369116"/>
+          </a:xfrm>
+          <a:prstGeom prst="straightConnector1">
+            <a:avLst/>
+          </a:prstGeom>
+          <a:ln w="44450">
+            <a:tailEnd type="triangle"/>
+          </a:ln>
+        </p:spPr>
+        <p:style>
+          <a:lnRef idx="1">
+            <a:schemeClr val="accent1"/>
+          </a:lnRef>
+          <a:fillRef idx="0">
+            <a:schemeClr val="accent1"/>
+          </a:fillRef>
+          <a:effectRef idx="0">
+            <a:schemeClr val="accent1"/>
+          </a:effectRef>
+          <a:fontRef idx="minor">
+            <a:schemeClr val="tx1"/>
+          </a:fontRef>
+        </p:style>
+      </p:cxnSp>
     </p:spTree>
     <p:extLst>
       <p:ext uri="{BB962C8B-B14F-4D97-AF65-F5344CB8AC3E}">
-        <p14:creationId xmlns:p14="http://schemas.microsoft.com/office/powerpoint/2010/main" val="843192391"/>
+        <p14:creationId xmlns:p14="http://schemas.microsoft.com/office/powerpoint/2010/main" val="25760513"/>
       </p:ext>
     </p:extLst>
   </p:cSld>
